--- a/section_1/powerpoint_lectures/CDS-SR scRNA-seq workshop_scRNA-seq Analysis_seurat_intro_standard_pipeline.pptx
+++ b/section_1/powerpoint_lectures/CDS-SR scRNA-seq workshop_scRNA-seq Analysis_seurat_intro_standard_pipeline.pptx
@@ -293,7 +293,7 @@
           <a:p>
             <a:fld id="{399B907A-35C6-4A47-9035-3C2EE0D049C0}" type="datetimeFigureOut">
               <a:rPr lang="en-US" smtClean="0"/>
-              <a:t>4/17/2022</a:t>
+              <a:t>4/18/2022</a:t>
             </a:fld>
             <a:endParaRPr lang="en-US"/>
           </a:p>
@@ -604,6 +604,42 @@
           <a:bodyPr/>
           <a:lstStyle/>
           <a:p>
+            <a:r>
+              <a:rPr lang="en-US" dirty="0"/>
+              <a:t>What is Seurat?</a:t>
+            </a:r>
+          </a:p>
+          <a:p>
+            <a:r>
+              <a:rPr lang="en-US" dirty="0"/>
+              <a:t>    read all points on slide</a:t>
+            </a:r>
+          </a:p>
+          <a:p>
+            <a:r>
+              <a:rPr lang="en-US" dirty="0"/>
+              <a:t>Lots of packages that do same or better</a:t>
+            </a:r>
+          </a:p>
+          <a:p>
+            <a:r>
+              <a:rPr lang="en-US" dirty="0"/>
+              <a:t>    Seurat is a very good tool</a:t>
+            </a:r>
+          </a:p>
+          <a:p>
+            <a:r>
+              <a:rPr lang="en-US" dirty="0"/>
+              <a:t>All pipelines follow similar workflow</a:t>
+            </a:r>
+          </a:p>
+          <a:p>
+            <a:r>
+              <a:rPr lang="en-US" dirty="0"/>
+              <a:t>    if can understand processing steps, then can use any tool</a:t>
+            </a:r>
+          </a:p>
+          <a:p>
             <a:endParaRPr lang="en-US" dirty="0"/>
           </a:p>
         </p:txBody>
@@ -690,19 +726,25 @@
           <a:p>
             <a:r>
               <a:rPr lang="en-US" dirty="0"/>
-              <a:t>This type of QC and filtering happens in two places</a:t>
-            </a:r>
-          </a:p>
-          <a:p>
-            <a:r>
-              <a:rPr lang="en-US" dirty="0"/>
-              <a:t>Read first major bullet points </a:t>
-            </a:r>
-          </a:p>
-          <a:p>
-            <a:r>
-              <a:rPr lang="en-US" dirty="0"/>
-              <a:t>    Seurat object is where data is stored</a:t>
+              <a:t>Read first bullet point</a:t>
+            </a:r>
+          </a:p>
+          <a:p>
+            <a:r>
+              <a:rPr lang="en-US" dirty="0"/>
+              <a:t>Read second major bullet points</a:t>
+            </a:r>
+          </a:p>
+          <a:p>
+            <a:r>
+              <a:rPr lang="en-US" dirty="0"/>
+              <a:t>    doublets: droplet sequencing isn’t perfect and can sequence multiple cells in a droplet</a:t>
+            </a:r>
+          </a:p>
+          <a:p>
+            <a:r>
+              <a:rPr lang="en-US" dirty="0"/>
+              <a:t>Read thirst major bullet points</a:t>
             </a:r>
           </a:p>
         </p:txBody>
@@ -724,7 +766,7 @@
           <a:p>
             <a:fld id="{49E9D4D6-284E-4407-AEDA-A70F178DAD60}" type="slidenum">
               <a:rPr lang="en-US" smtClean="0"/>
-              <a:t>12</a:t>
+              <a:t>11</a:t>
             </a:fld>
             <a:endParaRPr lang="en-US"/>
           </a:p>
@@ -733,7 +775,7 @@
     </p:spTree>
     <p:extLst>
       <p:ext uri="{BB962C8B-B14F-4D97-AF65-F5344CB8AC3E}">
-        <p14:creationId xmlns:p14="http://schemas.microsoft.com/office/powerpoint/2010/main" val="778586402"/>
+        <p14:creationId xmlns:p14="http://schemas.microsoft.com/office/powerpoint/2010/main" val="2739644321"/>
       </p:ext>
     </p:extLst>
   </p:cSld>
@@ -789,78 +831,19 @@
           <a:p>
             <a:r>
               <a:rPr lang="en-US" dirty="0"/>
-              <a:t>Example of this first filtering step</a:t>
-            </a:r>
-          </a:p>
-          <a:p>
-            <a:r>
-              <a:rPr lang="en-US" dirty="0"/>
-              <a:t>See two parameters: </a:t>
-            </a:r>
-            <a:r>
-              <a:rPr lang="en-US" dirty="0" err="1"/>
-              <a:t>min.cells</a:t>
-            </a:r>
-            <a:r>
-              <a:rPr lang="en-US" dirty="0"/>
-              <a:t> and </a:t>
-            </a:r>
-            <a:r>
-              <a:rPr lang="en-US" dirty="0" err="1"/>
-              <a:t>min.features</a:t>
-            </a:r>
-            <a:endParaRPr lang="en-US" dirty="0"/>
-          </a:p>
-          <a:p>
-            <a:r>
-              <a:rPr lang="en-US" dirty="0"/>
-              <a:t>    </a:t>
-            </a:r>
-            <a:r>
-              <a:rPr lang="en-US" dirty="0" err="1"/>
-              <a:t>min.cells</a:t>
-            </a:r>
-            <a:r>
-              <a:rPr lang="en-US" dirty="0"/>
-              <a:t> = filter genes</a:t>
-            </a:r>
-          </a:p>
-          <a:p>
-            <a:r>
-              <a:rPr lang="en-US" dirty="0"/>
-              <a:t>    </a:t>
-            </a:r>
-            <a:r>
-              <a:rPr lang="en-US" dirty="0" err="1"/>
-              <a:t>min.features</a:t>
-            </a:r>
-            <a:r>
-              <a:rPr lang="en-US" dirty="0"/>
-              <a:t> = filter cells</a:t>
-            </a:r>
-          </a:p>
-          <a:p>
-            <a:r>
-              <a:rPr lang="en-US" dirty="0"/>
-              <a:t>Go through example bullet points and figures to the right </a:t>
-            </a:r>
-          </a:p>
-          <a:p>
-            <a:r>
-              <a:rPr lang="en-US" dirty="0"/>
-              <a:t>Want to underestimate how much to filter at this step</a:t>
-            </a:r>
-          </a:p>
-          <a:p>
-            <a:r>
-              <a:rPr lang="en-US" dirty="0"/>
-              <a:t>    don’t lose too many cells</a:t>
-            </a:r>
-          </a:p>
-          <a:p>
-            <a:r>
-              <a:rPr lang="en-US" dirty="0"/>
-              <a:t>    these values shown are actually the bare minimum filtering thresholds</a:t>
+              <a:t>This type of QC and filtering happens in two places</a:t>
+            </a:r>
+          </a:p>
+          <a:p>
+            <a:r>
+              <a:rPr lang="en-US" dirty="0"/>
+              <a:t>Read first major bullet points </a:t>
+            </a:r>
+          </a:p>
+          <a:p>
+            <a:r>
+              <a:rPr lang="en-US" dirty="0"/>
+              <a:t>    Seurat object is where data is stored</a:t>
             </a:r>
           </a:p>
         </p:txBody>
@@ -882,7 +865,7 @@
           <a:p>
             <a:fld id="{49E9D4D6-284E-4407-AEDA-A70F178DAD60}" type="slidenum">
               <a:rPr lang="en-US" smtClean="0"/>
-              <a:t>13</a:t>
+              <a:t>12</a:t>
             </a:fld>
             <a:endParaRPr lang="en-US"/>
           </a:p>
@@ -891,7 +874,7 @@
     </p:spTree>
     <p:extLst>
       <p:ext uri="{BB962C8B-B14F-4D97-AF65-F5344CB8AC3E}">
-        <p14:creationId xmlns:p14="http://schemas.microsoft.com/office/powerpoint/2010/main" val="277176600"/>
+        <p14:creationId xmlns:p14="http://schemas.microsoft.com/office/powerpoint/2010/main" val="778586402"/>
       </p:ext>
     </p:extLst>
   </p:cSld>
@@ -947,43 +930,78 @@
           <a:p>
             <a:r>
               <a:rPr lang="en-US" dirty="0"/>
-              <a:t>Second place of filtering is {read first bullet point)</a:t>
-            </a:r>
-          </a:p>
-          <a:p>
-            <a:r>
-              <a:rPr lang="en-US" dirty="0"/>
-              <a:t>Stress again that no good way of filtering</a:t>
-            </a:r>
-          </a:p>
-          <a:p>
-            <a:r>
-              <a:rPr lang="en-US" dirty="0"/>
-              <a:t>    variables to look out for</a:t>
-            </a:r>
-          </a:p>
-          <a:p>
-            <a:r>
-              <a:rPr lang="en-US" dirty="0"/>
-              <a:t>Read first sub bullet points </a:t>
-            </a:r>
-          </a:p>
-          <a:p>
-            <a:r>
-              <a:rPr lang="en-US" dirty="0"/>
-              <a:t>Read second sub bullet points </a:t>
-            </a:r>
-          </a:p>
-          <a:p>
-            <a:r>
-              <a:rPr lang="en-US" dirty="0"/>
-              <a:t>Point out example plot on right </a:t>
-            </a:r>
-          </a:p>
-          <a:p>
-            <a:r>
-              <a:rPr lang="en-US" dirty="0"/>
-              <a:t>    give good idea of where majority of cells are </a:t>
+              <a:t>Example of this first filtering step</a:t>
+            </a:r>
+          </a:p>
+          <a:p>
+            <a:r>
+              <a:rPr lang="en-US" dirty="0"/>
+              <a:t>See two parameters: </a:t>
+            </a:r>
+            <a:r>
+              <a:rPr lang="en-US" dirty="0" err="1"/>
+              <a:t>min.cells</a:t>
+            </a:r>
+            <a:r>
+              <a:rPr lang="en-US" dirty="0"/>
+              <a:t> and </a:t>
+            </a:r>
+            <a:r>
+              <a:rPr lang="en-US" dirty="0" err="1"/>
+              <a:t>min.features</a:t>
+            </a:r>
+            <a:endParaRPr lang="en-US" dirty="0"/>
+          </a:p>
+          <a:p>
+            <a:r>
+              <a:rPr lang="en-US" dirty="0"/>
+              <a:t>    </a:t>
+            </a:r>
+            <a:r>
+              <a:rPr lang="en-US" dirty="0" err="1"/>
+              <a:t>min.cells</a:t>
+            </a:r>
+            <a:r>
+              <a:rPr lang="en-US" dirty="0"/>
+              <a:t> = filter genes</a:t>
+            </a:r>
+          </a:p>
+          <a:p>
+            <a:r>
+              <a:rPr lang="en-US" dirty="0"/>
+              <a:t>    </a:t>
+            </a:r>
+            <a:r>
+              <a:rPr lang="en-US" dirty="0" err="1"/>
+              <a:t>min.features</a:t>
+            </a:r>
+            <a:r>
+              <a:rPr lang="en-US" dirty="0"/>
+              <a:t> = filter cells</a:t>
+            </a:r>
+          </a:p>
+          <a:p>
+            <a:r>
+              <a:rPr lang="en-US" dirty="0"/>
+              <a:t>Go through example bullet points and figures to the right </a:t>
+            </a:r>
+          </a:p>
+          <a:p>
+            <a:r>
+              <a:rPr lang="en-US" dirty="0"/>
+              <a:t>Want to underestimate how much to filter at this step</a:t>
+            </a:r>
+          </a:p>
+          <a:p>
+            <a:r>
+              <a:rPr lang="en-US" dirty="0"/>
+              <a:t>    don’t lose too many cells</a:t>
+            </a:r>
+          </a:p>
+          <a:p>
+            <a:r>
+              <a:rPr lang="en-US" dirty="0"/>
+              <a:t>    these values shown are actually the bare minimum filtering thresholds</a:t>
             </a:r>
           </a:p>
         </p:txBody>
@@ -1005,7 +1023,7 @@
           <a:p>
             <a:fld id="{49E9D4D6-284E-4407-AEDA-A70F178DAD60}" type="slidenum">
               <a:rPr lang="en-US" smtClean="0"/>
-              <a:t>14</a:t>
+              <a:t>13</a:t>
             </a:fld>
             <a:endParaRPr lang="en-US"/>
           </a:p>
@@ -1014,7 +1032,7 @@
     </p:spTree>
     <p:extLst>
       <p:ext uri="{BB962C8B-B14F-4D97-AF65-F5344CB8AC3E}">
-        <p14:creationId xmlns:p14="http://schemas.microsoft.com/office/powerpoint/2010/main" val="1512213045"/>
+        <p14:creationId xmlns:p14="http://schemas.microsoft.com/office/powerpoint/2010/main" val="277176600"/>
       </p:ext>
     </p:extLst>
   </p:cSld>
@@ -1070,60 +1088,43 @@
           <a:p>
             <a:r>
               <a:rPr lang="en-US" dirty="0"/>
-              <a:t>Look closer at </a:t>
-            </a:r>
-            <a:r>
-              <a:rPr lang="en-US" dirty="0" err="1"/>
-              <a:t>nCount</a:t>
-            </a:r>
-            <a:endParaRPr lang="en-US" dirty="0"/>
-          </a:p>
-          <a:p>
-            <a:r>
-              <a:rPr lang="en-US" dirty="0"/>
-              <a:t>Only for one sample, but similar way of doing with other samples</a:t>
-            </a:r>
-          </a:p>
-          <a:p>
-            <a:r>
-              <a:rPr lang="en-US" dirty="0"/>
-              <a:t>Explain how you would make threshold</a:t>
-            </a:r>
-          </a:p>
-          <a:p>
-            <a:r>
-              <a:rPr lang="en-US" dirty="0"/>
-              <a:t>    lot of cells close to 0 (this is normal)</a:t>
-            </a:r>
-          </a:p>
-          <a:p>
-            <a:r>
-              <a:rPr lang="en-US" dirty="0"/>
-              <a:t>    could make lower threshold at around 1000, but let’s not for this example</a:t>
-            </a:r>
-          </a:p>
-          <a:p>
-            <a:r>
-              <a:rPr lang="en-US" dirty="0"/>
-              <a:t>    focus on high threshold</a:t>
-            </a:r>
-          </a:p>
-          <a:p>
-            <a:r>
-              <a:rPr lang="en-US" dirty="0"/>
-              <a:t>        lots of cells under 3e5 or 30 thousand</a:t>
-            </a:r>
-          </a:p>
-          <a:p>
-            <a:r>
-              <a:rPr lang="en-US" dirty="0"/>
-              <a:t>        some outliers above that</a:t>
-            </a:r>
-          </a:p>
-          <a:p>
-            <a:r>
-              <a:rPr lang="en-US" dirty="0"/>
-              <a:t>        </a:t>
+              <a:t>Second place of filtering is {read first bullet point)</a:t>
+            </a:r>
+          </a:p>
+          <a:p>
+            <a:r>
+              <a:rPr lang="en-US" dirty="0"/>
+              <a:t>Stress again that no good way of filtering</a:t>
+            </a:r>
+          </a:p>
+          <a:p>
+            <a:r>
+              <a:rPr lang="en-US" dirty="0"/>
+              <a:t>    variables to look out for</a:t>
+            </a:r>
+          </a:p>
+          <a:p>
+            <a:r>
+              <a:rPr lang="en-US" dirty="0"/>
+              <a:t>Read first sub bullet points </a:t>
+            </a:r>
+          </a:p>
+          <a:p>
+            <a:r>
+              <a:rPr lang="en-US" dirty="0"/>
+              <a:t>Read second sub bullet points </a:t>
+            </a:r>
+          </a:p>
+          <a:p>
+            <a:r>
+              <a:rPr lang="en-US" dirty="0"/>
+              <a:t>Point out example plot on right </a:t>
+            </a:r>
+          </a:p>
+          <a:p>
+            <a:r>
+              <a:rPr lang="en-US" dirty="0"/>
+              <a:t>    give good idea of where majority of cells are </a:t>
             </a:r>
           </a:p>
         </p:txBody>
@@ -1145,7 +1146,7 @@
           <a:p>
             <a:fld id="{49E9D4D6-284E-4407-AEDA-A70F178DAD60}" type="slidenum">
               <a:rPr lang="en-US" smtClean="0"/>
-              <a:t>15</a:t>
+              <a:t>14</a:t>
             </a:fld>
             <a:endParaRPr lang="en-US"/>
           </a:p>
@@ -1154,7 +1155,7 @@
     </p:spTree>
     <p:extLst>
       <p:ext uri="{BB962C8B-B14F-4D97-AF65-F5344CB8AC3E}">
-        <p14:creationId xmlns:p14="http://schemas.microsoft.com/office/powerpoint/2010/main" val="4021039163"/>
+        <p14:creationId xmlns:p14="http://schemas.microsoft.com/office/powerpoint/2010/main" val="1512213045"/>
       </p:ext>
     </p:extLst>
   </p:cSld>
@@ -1210,17 +1211,61 @@
           <a:p>
             <a:r>
               <a:rPr lang="en-US" dirty="0"/>
-              <a:t>Set higher threshold at 3e5</a:t>
-            </a:r>
-          </a:p>
-          <a:p>
-            <a:r>
-              <a:rPr lang="en-US" dirty="0"/>
-              <a:t>    could be stricter at 2e5, but overestimating</a:t>
-            </a:r>
-          </a:p>
-          <a:p>
+              <a:t>Look closer at </a:t>
+            </a:r>
+            <a:r>
+              <a:rPr lang="en-US" dirty="0" err="1"/>
+              <a:t>nCount</a:t>
+            </a:r>
             <a:endParaRPr lang="en-US" dirty="0"/>
+          </a:p>
+          <a:p>
+            <a:r>
+              <a:rPr lang="en-US" dirty="0"/>
+              <a:t>Only for one sample, but similar way of doing with other samples</a:t>
+            </a:r>
+          </a:p>
+          <a:p>
+            <a:r>
+              <a:rPr lang="en-US" dirty="0"/>
+              <a:t>Explain how you would make threshold</a:t>
+            </a:r>
+          </a:p>
+          <a:p>
+            <a:r>
+              <a:rPr lang="en-US" dirty="0"/>
+              <a:t>    lot of cells close to 0 (this is normal)</a:t>
+            </a:r>
+          </a:p>
+          <a:p>
+            <a:r>
+              <a:rPr lang="en-US" dirty="0"/>
+              <a:t>    could make lower threshold at around 1000, but let’s not for this example</a:t>
+            </a:r>
+          </a:p>
+          <a:p>
+            <a:r>
+              <a:rPr lang="en-US" dirty="0"/>
+              <a:t>    focus on high threshold</a:t>
+            </a:r>
+          </a:p>
+          <a:p>
+            <a:r>
+              <a:rPr lang="en-US" dirty="0"/>
+              <a:t>        lots of cells under 3e5 or 30 thousand</a:t>
+            </a:r>
+          </a:p>
+          <a:p>
+            <a:r>
+              <a:rPr lang="en-US" dirty="0"/>
+              <a:t>        some outliers above that</a:t>
+            </a:r>
+          </a:p>
+          <a:p>
+            <a:r>
+              <a:rPr lang="en-US" dirty="0"/>
+              <a:t>        </a:t>
+            </a:r>
           </a:p>
         </p:txBody>
       </p:sp>
@@ -1241,7 +1286,7 @@
           <a:p>
             <a:fld id="{49E9D4D6-284E-4407-AEDA-A70F178DAD60}" type="slidenum">
               <a:rPr lang="en-US" smtClean="0"/>
-              <a:t>16</a:t>
+              <a:t>15</a:t>
             </a:fld>
             <a:endParaRPr lang="en-US"/>
           </a:p>
@@ -1250,7 +1295,7 @@
     </p:spTree>
     <p:extLst>
       <p:ext uri="{BB962C8B-B14F-4D97-AF65-F5344CB8AC3E}">
-        <p14:creationId xmlns:p14="http://schemas.microsoft.com/office/powerpoint/2010/main" val="3988321274"/>
+        <p14:creationId xmlns:p14="http://schemas.microsoft.com/office/powerpoint/2010/main" val="4021039163"/>
       </p:ext>
     </p:extLst>
   </p:cSld>
@@ -1306,18 +1351,13 @@
           <a:p>
             <a:r>
               <a:rPr lang="en-US" dirty="0"/>
-              <a:t>Look at </a:t>
-            </a:r>
-            <a:r>
-              <a:rPr lang="en-US" dirty="0" err="1"/>
-              <a:t>nFeature</a:t>
-            </a:r>
-            <a:endParaRPr lang="en-US" dirty="0"/>
-          </a:p>
-          <a:p>
-            <a:r>
-              <a:rPr lang="en-US" dirty="0"/>
-              <a:t>    majority of cells below 9000, but maybe too much</a:t>
+              <a:t>Set higher threshold at 3e5</a:t>
+            </a:r>
+          </a:p>
+          <a:p>
+            <a:r>
+              <a:rPr lang="en-US" dirty="0"/>
+              <a:t>    could be stricter at 2e5, but overestimating</a:t>
             </a:r>
           </a:p>
           <a:p>
@@ -1342,7 +1382,7 @@
           <a:p>
             <a:fld id="{49E9D4D6-284E-4407-AEDA-A70F178DAD60}" type="slidenum">
               <a:rPr lang="en-US" smtClean="0"/>
-              <a:t>17</a:t>
+              <a:t>16</a:t>
             </a:fld>
             <a:endParaRPr lang="en-US"/>
           </a:p>
@@ -1351,7 +1391,7 @@
     </p:spTree>
     <p:extLst>
       <p:ext uri="{BB962C8B-B14F-4D97-AF65-F5344CB8AC3E}">
-        <p14:creationId xmlns:p14="http://schemas.microsoft.com/office/powerpoint/2010/main" val="421512951"/>
+        <p14:creationId xmlns:p14="http://schemas.microsoft.com/office/powerpoint/2010/main" val="3988321274"/>
       </p:ext>
     </p:extLst>
   </p:cSld>
@@ -1407,25 +1447,18 @@
           <a:p>
             <a:r>
               <a:rPr lang="en-US" dirty="0"/>
-              <a:t>Set higher threshold around 8000</a:t>
-            </a:r>
-          </a:p>
-          <a:p>
-            <a:r>
-              <a:rPr lang="en-US" dirty="0"/>
-              <a:t>    maybe being a litter stricter here</a:t>
-            </a:r>
-          </a:p>
-          <a:p>
-            <a:r>
-              <a:rPr lang="en-US" dirty="0"/>
-              <a:t>    again not setting lower threshold</a:t>
-            </a:r>
-          </a:p>
-          <a:p>
-            <a:r>
-              <a:rPr lang="en-US" dirty="0"/>
-              <a:t>        maybe set at 100</a:t>
+              <a:t>Look at </a:t>
+            </a:r>
+            <a:r>
+              <a:rPr lang="en-US" dirty="0" err="1"/>
+              <a:t>nFeature</a:t>
+            </a:r>
+            <a:endParaRPr lang="en-US" dirty="0"/>
+          </a:p>
+          <a:p>
+            <a:r>
+              <a:rPr lang="en-US" dirty="0"/>
+              <a:t>    majority of cells below 9000, but maybe too much</a:t>
             </a:r>
           </a:p>
           <a:p>
@@ -1450,7 +1483,7 @@
           <a:p>
             <a:fld id="{49E9D4D6-284E-4407-AEDA-A70F178DAD60}" type="slidenum">
               <a:rPr lang="en-US" smtClean="0"/>
-              <a:t>18</a:t>
+              <a:t>17</a:t>
             </a:fld>
             <a:endParaRPr lang="en-US"/>
           </a:p>
@@ -1459,7 +1492,7 @@
     </p:spTree>
     <p:extLst>
       <p:ext uri="{BB962C8B-B14F-4D97-AF65-F5344CB8AC3E}">
-        <p14:creationId xmlns:p14="http://schemas.microsoft.com/office/powerpoint/2010/main" val="2892346523"/>
+        <p14:creationId xmlns:p14="http://schemas.microsoft.com/office/powerpoint/2010/main" val="421512951"/>
       </p:ext>
     </p:extLst>
   </p:cSld>
@@ -1515,51 +1548,29 @@
           <a:p>
             <a:r>
               <a:rPr lang="en-US" dirty="0"/>
-              <a:t>Look at percent </a:t>
-            </a:r>
-            <a:r>
-              <a:rPr lang="en-US" dirty="0" err="1"/>
-              <a:t>mito</a:t>
-            </a:r>
+              <a:t>Set higher threshold around 8000</a:t>
+            </a:r>
+          </a:p>
+          <a:p>
+            <a:r>
+              <a:rPr lang="en-US" dirty="0"/>
+              <a:t>    maybe being a litter stricter here</a:t>
+            </a:r>
+          </a:p>
+          <a:p>
+            <a:r>
+              <a:rPr lang="en-US" dirty="0"/>
+              <a:t>    again not setting lower threshold</a:t>
+            </a:r>
+          </a:p>
+          <a:p>
+            <a:r>
+              <a:rPr lang="en-US" dirty="0"/>
+              <a:t>        maybe set at 100</a:t>
+            </a:r>
+          </a:p>
+          <a:p>
             <a:endParaRPr lang="en-US" dirty="0"/>
-          </a:p>
-          <a:p>
-            <a:r>
-              <a:rPr lang="en-US" dirty="0"/>
-              <a:t>   like being strict here</a:t>
-            </a:r>
-          </a:p>
-          <a:p>
-            <a:r>
-              <a:rPr lang="en-US" dirty="0"/>
-              <a:t>   most cells are below 25% and some cells with &gt;50%</a:t>
-            </a:r>
-          </a:p>
-          <a:p>
-            <a:r>
-              <a:rPr lang="en-US" dirty="0"/>
-              <a:t>   high </a:t>
-            </a:r>
-            <a:r>
-              <a:rPr lang="en-US" dirty="0" err="1"/>
-              <a:t>mito</a:t>
-            </a:r>
-            <a:r>
-              <a:rPr lang="en-US" dirty="0"/>
-              <a:t> content usually are dead or doublets</a:t>
-            </a:r>
-          </a:p>
-          <a:p>
-            <a:r>
-              <a:rPr lang="en-US" dirty="0"/>
-              <a:t>   like setting higher threshold very low (around 20%)</a:t>
-            </a:r>
-          </a:p>
-          <a:p>
-            <a:r>
-              <a:rPr lang="en-US" dirty="0"/>
-              <a:t>        sometimes 25%</a:t>
-            </a:r>
           </a:p>
         </p:txBody>
       </p:sp>
@@ -1580,7 +1591,7 @@
           <a:p>
             <a:fld id="{49E9D4D6-284E-4407-AEDA-A70F178DAD60}" type="slidenum">
               <a:rPr lang="en-US" smtClean="0"/>
-              <a:t>19</a:t>
+              <a:t>18</a:t>
             </a:fld>
             <a:endParaRPr lang="en-US"/>
           </a:p>
@@ -1589,7 +1600,7 @@
     </p:spTree>
     <p:extLst>
       <p:ext uri="{BB962C8B-B14F-4D97-AF65-F5344CB8AC3E}">
-        <p14:creationId xmlns:p14="http://schemas.microsoft.com/office/powerpoint/2010/main" val="3987733131"/>
+        <p14:creationId xmlns:p14="http://schemas.microsoft.com/office/powerpoint/2010/main" val="2892346523"/>
       </p:ext>
     </p:extLst>
   </p:cSld>
@@ -1645,7 +1656,50 @@
           <a:p>
             <a:r>
               <a:rPr lang="en-US" dirty="0"/>
-              <a:t>Set higher threshold at 20%</a:t>
+              <a:t>Look at percent </a:t>
+            </a:r>
+            <a:r>
+              <a:rPr lang="en-US" dirty="0" err="1"/>
+              <a:t>mito</a:t>
+            </a:r>
+            <a:endParaRPr lang="en-US" dirty="0"/>
+          </a:p>
+          <a:p>
+            <a:r>
+              <a:rPr lang="en-US" dirty="0"/>
+              <a:t>   like being strict here</a:t>
+            </a:r>
+          </a:p>
+          <a:p>
+            <a:r>
+              <a:rPr lang="en-US" dirty="0"/>
+              <a:t>   most cells are below 25% and some cells with &gt;50%</a:t>
+            </a:r>
+          </a:p>
+          <a:p>
+            <a:r>
+              <a:rPr lang="en-US" dirty="0"/>
+              <a:t>   high </a:t>
+            </a:r>
+            <a:r>
+              <a:rPr lang="en-US" dirty="0" err="1"/>
+              <a:t>mito</a:t>
+            </a:r>
+            <a:r>
+              <a:rPr lang="en-US" dirty="0"/>
+              <a:t> content usually are dead or doublets</a:t>
+            </a:r>
+          </a:p>
+          <a:p>
+            <a:r>
+              <a:rPr lang="en-US" dirty="0"/>
+              <a:t>   like setting higher threshold very low (around 20%)</a:t>
+            </a:r>
+          </a:p>
+          <a:p>
+            <a:r>
+              <a:rPr lang="en-US" dirty="0"/>
+              <a:t>        sometimes 25%</a:t>
             </a:r>
           </a:p>
         </p:txBody>
@@ -1667,7 +1721,7 @@
           <a:p>
             <a:fld id="{49E9D4D6-284E-4407-AEDA-A70F178DAD60}" type="slidenum">
               <a:rPr lang="en-US" smtClean="0"/>
-              <a:t>20</a:t>
+              <a:t>19</a:t>
             </a:fld>
             <a:endParaRPr lang="en-US"/>
           </a:p>
@@ -1676,7 +1730,7 @@
     </p:spTree>
     <p:extLst>
       <p:ext uri="{BB962C8B-B14F-4D97-AF65-F5344CB8AC3E}">
-        <p14:creationId xmlns:p14="http://schemas.microsoft.com/office/powerpoint/2010/main" val="2041496217"/>
+        <p14:creationId xmlns:p14="http://schemas.microsoft.com/office/powerpoint/2010/main" val="3987733131"/>
       </p:ext>
     </p:extLst>
   </p:cSld>
@@ -1732,22 +1786,8 @@
           <a:p>
             <a:r>
               <a:rPr lang="en-US" dirty="0"/>
-              <a:t>Glance at percent </a:t>
-            </a:r>
-            <a:r>
-              <a:rPr lang="en-US" dirty="0" err="1"/>
-              <a:t>ribo</a:t>
-            </a:r>
-            <a:endParaRPr lang="en-US" dirty="0"/>
-          </a:p>
-          <a:p>
-            <a:r>
-              <a:rPr lang="en-US" dirty="0"/>
-              <a:t>     won’t filter; just something to look at</a:t>
-            </a:r>
-          </a:p>
-          <a:p>
-            <a:endParaRPr lang="en-US" dirty="0"/>
+              <a:t>Set higher threshold at 20%</a:t>
+            </a:r>
           </a:p>
         </p:txBody>
       </p:sp>
@@ -1768,7 +1808,7 @@
           <a:p>
             <a:fld id="{49E9D4D6-284E-4407-AEDA-A70F178DAD60}" type="slidenum">
               <a:rPr lang="en-US" smtClean="0"/>
-              <a:t>21</a:t>
+              <a:t>20</a:t>
             </a:fld>
             <a:endParaRPr lang="en-US"/>
           </a:p>
@@ -1777,7 +1817,7 @@
     </p:spTree>
     <p:extLst>
       <p:ext uri="{BB962C8B-B14F-4D97-AF65-F5344CB8AC3E}">
-        <p14:creationId xmlns:p14="http://schemas.microsoft.com/office/powerpoint/2010/main" val="1051001406"/>
+        <p14:creationId xmlns:p14="http://schemas.microsoft.com/office/powerpoint/2010/main" val="2041496217"/>
       </p:ext>
     </p:extLst>
   </p:cSld>
@@ -1831,40 +1871,7 @@
           <a:bodyPr/>
           <a:lstStyle/>
           <a:p>
-            <a:r>
-              <a:rPr lang="en-US" dirty="0"/>
-              <a:t>What is Seurat?</a:t>
-            </a:r>
-          </a:p>
-          <a:p>
-            <a:r>
-              <a:rPr lang="en-US" dirty="0"/>
-              <a:t>    read all points on slide</a:t>
-            </a:r>
-          </a:p>
-          <a:p>
-            <a:r>
-              <a:rPr lang="en-US" dirty="0"/>
-              <a:t>Lots of packages that do same or better</a:t>
-            </a:r>
-          </a:p>
-          <a:p>
-            <a:r>
-              <a:rPr lang="en-US" dirty="0"/>
-              <a:t>    Seurat is a very good tool</a:t>
-            </a:r>
-          </a:p>
-          <a:p>
-            <a:r>
-              <a:rPr lang="en-US" dirty="0"/>
-              <a:t>All pipelines follow similar workflow</a:t>
-            </a:r>
-          </a:p>
-          <a:p>
-            <a:r>
-              <a:rPr lang="en-US" dirty="0"/>
-              <a:t>    if can understand processing steps, then can use any tool</a:t>
-            </a:r>
+            <a:endParaRPr lang="en-US" dirty="0"/>
           </a:p>
         </p:txBody>
       </p:sp>
@@ -1883,9 +1890,9 @@
           <a:bodyPr/>
           <a:lstStyle/>
           <a:p>
-            <a:fld id="{49E9D4D6-284E-4407-AEDA-A70F178DAD60}" type="slidenum">
+            <a:fld id="{0E455B4F-83A7-40A9-81D1-6EE7AA55F108}" type="slidenum">
               <a:rPr lang="en-US" smtClean="0"/>
-              <a:t>3</a:t>
+              <a:t>2</a:t>
             </a:fld>
             <a:endParaRPr lang="en-US"/>
           </a:p>
@@ -1894,7 +1901,7 @@
     </p:spTree>
     <p:extLst>
       <p:ext uri="{BB962C8B-B14F-4D97-AF65-F5344CB8AC3E}">
-        <p14:creationId xmlns:p14="http://schemas.microsoft.com/office/powerpoint/2010/main" val="2950115229"/>
+        <p14:creationId xmlns:p14="http://schemas.microsoft.com/office/powerpoint/2010/main" val="2408185744"/>
       </p:ext>
     </p:extLst>
   </p:cSld>
@@ -1950,19 +1957,18 @@
           <a:p>
             <a:r>
               <a:rPr lang="en-US" dirty="0"/>
-              <a:t>After looking individually, like looking at combination </a:t>
-            </a:r>
-          </a:p>
-          <a:p>
-            <a:r>
-              <a:rPr lang="en-US" dirty="0"/>
-              <a:t>Explain scatter plots</a:t>
-            </a:r>
-          </a:p>
-          <a:p>
-            <a:r>
-              <a:rPr lang="en-US" dirty="0"/>
-              <a:t>Again goal is to get majority of cells</a:t>
+              <a:t>Glance at percent </a:t>
+            </a:r>
+            <a:r>
+              <a:rPr lang="en-US" dirty="0" err="1"/>
+              <a:t>ribo</a:t>
+            </a:r>
+            <a:endParaRPr lang="en-US" dirty="0"/>
+          </a:p>
+          <a:p>
+            <a:r>
+              <a:rPr lang="en-US" dirty="0"/>
+              <a:t>     won’t filter; just something to look at</a:t>
             </a:r>
           </a:p>
           <a:p>
@@ -1987,7 +1993,7 @@
           <a:p>
             <a:fld id="{49E9D4D6-284E-4407-AEDA-A70F178DAD60}" type="slidenum">
               <a:rPr lang="en-US" smtClean="0"/>
-              <a:t>22</a:t>
+              <a:t>21</a:t>
             </a:fld>
             <a:endParaRPr lang="en-US"/>
           </a:p>
@@ -1996,7 +2002,7 @@
     </p:spTree>
     <p:extLst>
       <p:ext uri="{BB962C8B-B14F-4D97-AF65-F5344CB8AC3E}">
-        <p14:creationId xmlns:p14="http://schemas.microsoft.com/office/powerpoint/2010/main" val="2346922789"/>
+        <p14:creationId xmlns:p14="http://schemas.microsoft.com/office/powerpoint/2010/main" val="1051001406"/>
       </p:ext>
     </p:extLst>
   </p:cSld>
@@ -2052,38 +2058,23 @@
           <a:p>
             <a:r>
               <a:rPr lang="en-US" dirty="0"/>
-              <a:t>Explain scatter plots with threshold lines</a:t>
-            </a:r>
-          </a:p>
-          <a:p>
-            <a:r>
-              <a:rPr lang="en-US" dirty="0"/>
-              <a:t>    lower threshold lines are at min value for each variable</a:t>
-            </a:r>
-          </a:p>
-          <a:p>
-            <a:r>
-              <a:rPr lang="en-US" dirty="0"/>
-              <a:t>    look at lower left box it makes</a:t>
-            </a:r>
-          </a:p>
-          <a:p>
-            <a:r>
-              <a:rPr lang="en-US" dirty="0"/>
-              <a:t>       where majority of cells are</a:t>
-            </a:r>
-          </a:p>
-          <a:p>
-            <a:r>
-              <a:rPr lang="en-US" dirty="0"/>
-              <a:t>    overestimating is fine</a:t>
-            </a:r>
-          </a:p>
-          <a:p>
-            <a:r>
-              <a:rPr lang="en-US" dirty="0"/>
-              <a:t>    if include some low-quality cells, they will cluster out into own clusters and can remove then</a:t>
-            </a:r>
+              <a:t>After looking individually, like looking at combination </a:t>
+            </a:r>
+          </a:p>
+          <a:p>
+            <a:r>
+              <a:rPr lang="en-US" dirty="0"/>
+              <a:t>Explain scatter plots</a:t>
+            </a:r>
+          </a:p>
+          <a:p>
+            <a:r>
+              <a:rPr lang="en-US" dirty="0"/>
+              <a:t>Again goal is to get majority of cells</a:t>
+            </a:r>
+          </a:p>
+          <a:p>
+            <a:endParaRPr lang="en-US" dirty="0"/>
           </a:p>
         </p:txBody>
       </p:sp>
@@ -2104,7 +2095,7 @@
           <a:p>
             <a:fld id="{49E9D4D6-284E-4407-AEDA-A70F178DAD60}" type="slidenum">
               <a:rPr lang="en-US" smtClean="0"/>
-              <a:t>23</a:t>
+              <a:t>22</a:t>
             </a:fld>
             <a:endParaRPr lang="en-US"/>
           </a:p>
@@ -2113,7 +2104,7 @@
     </p:spTree>
     <p:extLst>
       <p:ext uri="{BB962C8B-B14F-4D97-AF65-F5344CB8AC3E}">
-        <p14:creationId xmlns:p14="http://schemas.microsoft.com/office/powerpoint/2010/main" val="1111119230"/>
+        <p14:creationId xmlns:p14="http://schemas.microsoft.com/office/powerpoint/2010/main" val="2346922789"/>
       </p:ext>
     </p:extLst>
   </p:cSld>
@@ -2169,42 +2160,37 @@
           <a:p>
             <a:r>
               <a:rPr lang="en-US" dirty="0"/>
-              <a:t>Different sample</a:t>
-            </a:r>
-          </a:p>
-          <a:p>
-            <a:r>
-              <a:rPr lang="en-US" dirty="0"/>
-              <a:t>Decide on how to filter this sample based on 4 variables</a:t>
-            </a:r>
-          </a:p>
-          <a:p>
-            <a:r>
-              <a:rPr lang="en-US" dirty="0"/>
-              <a:t>Just worry about higher threshold for now</a:t>
-            </a:r>
-          </a:p>
-          <a:p>
-            <a:r>
-              <a:rPr lang="en-US" dirty="0"/>
-              <a:t>Don’t worry about filtering on percent </a:t>
-            </a:r>
-            <a:r>
-              <a:rPr lang="en-US" dirty="0" err="1"/>
-              <a:t>ribo</a:t>
-            </a:r>
-            <a:endParaRPr lang="en-US" dirty="0"/>
-          </a:p>
-          <a:p>
-            <a:r>
-              <a:rPr lang="en-US" dirty="0"/>
-              <a:t>No really wrong answer</a:t>
-            </a:r>
-          </a:p>
-          <a:p>
-            <a:r>
-              <a:rPr lang="en-US" dirty="0"/>
-              <a:t>  don’t worry if you get a different answer than someone else</a:t>
+              <a:t>Explain scatter plots with threshold lines</a:t>
+            </a:r>
+          </a:p>
+          <a:p>
+            <a:r>
+              <a:rPr lang="en-US" dirty="0"/>
+              <a:t>    lower threshold lines are at min value for each variable</a:t>
+            </a:r>
+          </a:p>
+          <a:p>
+            <a:r>
+              <a:rPr lang="en-US" dirty="0"/>
+              <a:t>    look at lower left box it makes</a:t>
+            </a:r>
+          </a:p>
+          <a:p>
+            <a:r>
+              <a:rPr lang="en-US" dirty="0"/>
+              <a:t>       where majority of cells are</a:t>
+            </a:r>
+          </a:p>
+          <a:p>
+            <a:r>
+              <a:rPr lang="en-US" dirty="0"/>
+              <a:t>    overestimating is fine</a:t>
+            </a:r>
+          </a:p>
+          <a:p>
+            <a:r>
+              <a:rPr lang="en-US" dirty="0"/>
+              <a:t>    if include some low-quality cells, they will cluster out into own clusters and can remove then</a:t>
             </a:r>
           </a:p>
         </p:txBody>
@@ -2226,7 +2212,7 @@
           <a:p>
             <a:fld id="{49E9D4D6-284E-4407-AEDA-A70F178DAD60}" type="slidenum">
               <a:rPr lang="en-US" smtClean="0"/>
-              <a:t>24</a:t>
+              <a:t>23</a:t>
             </a:fld>
             <a:endParaRPr lang="en-US"/>
           </a:p>
@@ -2235,7 +2221,7 @@
     </p:spTree>
     <p:extLst>
       <p:ext uri="{BB962C8B-B14F-4D97-AF65-F5344CB8AC3E}">
-        <p14:creationId xmlns:p14="http://schemas.microsoft.com/office/powerpoint/2010/main" val="1854386605"/>
+        <p14:creationId xmlns:p14="http://schemas.microsoft.com/office/powerpoint/2010/main" val="1111119230"/>
       </p:ext>
     </p:extLst>
   </p:cSld>
@@ -2291,7 +2277,42 @@
           <a:p>
             <a:r>
               <a:rPr lang="en-US" dirty="0"/>
-              <a:t>Might have gotten something similar or completely different but that’s ok</a:t>
+              <a:t>Different sample</a:t>
+            </a:r>
+          </a:p>
+          <a:p>
+            <a:r>
+              <a:rPr lang="en-US" dirty="0"/>
+              <a:t>Decide on how to filter this sample based on 4 variables</a:t>
+            </a:r>
+          </a:p>
+          <a:p>
+            <a:r>
+              <a:rPr lang="en-US" dirty="0"/>
+              <a:t>Just worry about higher threshold for now</a:t>
+            </a:r>
+          </a:p>
+          <a:p>
+            <a:r>
+              <a:rPr lang="en-US" dirty="0"/>
+              <a:t>Don’t worry about filtering on percent </a:t>
+            </a:r>
+            <a:r>
+              <a:rPr lang="en-US" dirty="0" err="1"/>
+              <a:t>ribo</a:t>
+            </a:r>
+            <a:endParaRPr lang="en-US" dirty="0"/>
+          </a:p>
+          <a:p>
+            <a:r>
+              <a:rPr lang="en-US" dirty="0"/>
+              <a:t>No really wrong answer</a:t>
+            </a:r>
+          </a:p>
+          <a:p>
+            <a:r>
+              <a:rPr lang="en-US" dirty="0"/>
+              <a:t>  don’t worry if you get a different answer than someone else</a:t>
             </a:r>
           </a:p>
         </p:txBody>
@@ -2313,7 +2334,7 @@
           <a:p>
             <a:fld id="{49E9D4D6-284E-4407-AEDA-A70F178DAD60}" type="slidenum">
               <a:rPr lang="en-US" smtClean="0"/>
-              <a:t>25</a:t>
+              <a:t>24</a:t>
             </a:fld>
             <a:endParaRPr lang="en-US"/>
           </a:p>
@@ -2322,7 +2343,7 @@
     </p:spTree>
     <p:extLst>
       <p:ext uri="{BB962C8B-B14F-4D97-AF65-F5344CB8AC3E}">
-        <p14:creationId xmlns:p14="http://schemas.microsoft.com/office/powerpoint/2010/main" val="305457892"/>
+        <p14:creationId xmlns:p14="http://schemas.microsoft.com/office/powerpoint/2010/main" val="1854386605"/>
       </p:ext>
     </p:extLst>
   </p:cSld>
@@ -2378,17 +2399,8 @@
           <a:p>
             <a:r>
               <a:rPr lang="en-US" dirty="0"/>
-              <a:t>Subjective </a:t>
-            </a:r>
-          </a:p>
-          <a:p>
-            <a:r>
-              <a:rPr lang="en-US" dirty="0"/>
-              <a:t>If looks good to you, then it’s probably fine</a:t>
-            </a:r>
-          </a:p>
-          <a:p>
-            <a:endParaRPr lang="en-US" dirty="0"/>
+              <a:t>Might have gotten something similar or completely different but that’s ok</a:t>
+            </a:r>
           </a:p>
         </p:txBody>
       </p:sp>
@@ -2409,7 +2421,7 @@
           <a:p>
             <a:fld id="{49E9D4D6-284E-4407-AEDA-A70F178DAD60}" type="slidenum">
               <a:rPr lang="en-US" smtClean="0"/>
-              <a:t>26</a:t>
+              <a:t>25</a:t>
             </a:fld>
             <a:endParaRPr lang="en-US"/>
           </a:p>
@@ -2418,7 +2430,7 @@
     </p:spTree>
     <p:extLst>
       <p:ext uri="{BB962C8B-B14F-4D97-AF65-F5344CB8AC3E}">
-        <p14:creationId xmlns:p14="http://schemas.microsoft.com/office/powerpoint/2010/main" val="1037628692"/>
+        <p14:creationId xmlns:p14="http://schemas.microsoft.com/office/powerpoint/2010/main" val="305457892"/>
       </p:ext>
     </p:extLst>
   </p:cSld>
@@ -2472,6 +2484,18 @@
           <a:bodyPr/>
           <a:lstStyle/>
           <a:p>
+            <a:r>
+              <a:rPr lang="en-US" dirty="0"/>
+              <a:t>Subjective </a:t>
+            </a:r>
+          </a:p>
+          <a:p>
+            <a:r>
+              <a:rPr lang="en-US" dirty="0"/>
+              <a:t>If looks good to you, then it’s probably fine</a:t>
+            </a:r>
+          </a:p>
+          <a:p>
             <a:endParaRPr lang="en-US" dirty="0"/>
           </a:p>
         </p:txBody>
@@ -2493,7 +2517,7 @@
           <a:p>
             <a:fld id="{49E9D4D6-284E-4407-AEDA-A70F178DAD60}" type="slidenum">
               <a:rPr lang="en-US" smtClean="0"/>
-              <a:t>27</a:t>
+              <a:t>26</a:t>
             </a:fld>
             <a:endParaRPr lang="en-US"/>
           </a:p>
@@ -2502,7 +2526,7 @@
     </p:spTree>
     <p:extLst>
       <p:ext uri="{BB962C8B-B14F-4D97-AF65-F5344CB8AC3E}">
-        <p14:creationId xmlns:p14="http://schemas.microsoft.com/office/powerpoint/2010/main" val="1417694639"/>
+        <p14:creationId xmlns:p14="http://schemas.microsoft.com/office/powerpoint/2010/main" val="1037628692"/>
       </p:ext>
     </p:extLst>
   </p:cSld>
@@ -2556,76 +2580,7 @@
           <a:bodyPr/>
           <a:lstStyle/>
           <a:p>
-            <a:r>
-              <a:rPr lang="en-US" dirty="0"/>
-              <a:t>Read first major bullet points</a:t>
-            </a:r>
-          </a:p>
-          <a:p>
-            <a:r>
-              <a:rPr lang="en-US" dirty="0"/>
-              <a:t>Read second major bullet points</a:t>
-            </a:r>
-          </a:p>
-          <a:p>
-            <a:r>
-              <a:rPr lang="en-US" dirty="0"/>
-              <a:t>Explain plots on the right</a:t>
-            </a:r>
-          </a:p>
-          <a:p>
-            <a:r>
-              <a:rPr lang="en-US" dirty="0"/>
-              <a:t>    histograms plotting distribution of the CD4 gene for 2 samples</a:t>
-            </a:r>
-          </a:p>
-          <a:p>
-            <a:r>
-              <a:rPr lang="en-US" dirty="0"/>
-              <a:t>    took out cells that have 0 counts, so we can see the transformation</a:t>
-            </a:r>
-          </a:p>
-          <a:p>
-            <a:r>
-              <a:rPr lang="en-US" dirty="0"/>
-              <a:t>    top plots = raw counts</a:t>
-            </a:r>
-          </a:p>
-          <a:p>
-            <a:r>
-              <a:rPr lang="en-US" dirty="0"/>
-              <a:t>    bottom plots = normalized counts </a:t>
-            </a:r>
-          </a:p>
-          <a:p>
-            <a:r>
-              <a:rPr lang="en-US" dirty="0"/>
-              <a:t>    distribution goes to a more normal distribution</a:t>
-            </a:r>
-          </a:p>
-          <a:p>
-            <a:r>
-              <a:rPr lang="en-US" dirty="0"/>
-              <a:t>    can also see the values much better and samples are on same scale</a:t>
-            </a:r>
-          </a:p>
-          <a:p>
-            <a:r>
-              <a:rPr lang="en-US" dirty="0"/>
-              <a:t>    talk about scales for raw and normalized counts </a:t>
-            </a:r>
-          </a:p>
-          <a:p>
-            <a:r>
-              <a:rPr lang="en-US" dirty="0"/>
-              <a:t>        can’t compare between raw counts</a:t>
-            </a:r>
-          </a:p>
-          <a:p>
-            <a:r>
-              <a:rPr lang="en-US" dirty="0"/>
-              <a:t>        can compare between normalized counts </a:t>
-            </a:r>
+            <a:endParaRPr lang="en-US" dirty="0"/>
           </a:p>
         </p:txBody>
       </p:sp>
@@ -2646,7 +2601,7 @@
           <a:p>
             <a:fld id="{49E9D4D6-284E-4407-AEDA-A70F178DAD60}" type="slidenum">
               <a:rPr lang="en-US" smtClean="0"/>
-              <a:t>28</a:t>
+              <a:t>27</a:t>
             </a:fld>
             <a:endParaRPr lang="en-US"/>
           </a:p>
@@ -2655,7 +2610,7 @@
     </p:spTree>
     <p:extLst>
       <p:ext uri="{BB962C8B-B14F-4D97-AF65-F5344CB8AC3E}">
-        <p14:creationId xmlns:p14="http://schemas.microsoft.com/office/powerpoint/2010/main" val="3783013454"/>
+        <p14:creationId xmlns:p14="http://schemas.microsoft.com/office/powerpoint/2010/main" val="1417694639"/>
       </p:ext>
     </p:extLst>
   </p:cSld>
@@ -2711,7 +2666,73 @@
           <a:p>
             <a:r>
               <a:rPr lang="en-US" dirty="0"/>
-              <a:t>Read all bullet points</a:t>
+              <a:t>Read first major bullet points</a:t>
+            </a:r>
+          </a:p>
+          <a:p>
+            <a:r>
+              <a:rPr lang="en-US" dirty="0"/>
+              <a:t>Read second major bullet points</a:t>
+            </a:r>
+          </a:p>
+          <a:p>
+            <a:r>
+              <a:rPr lang="en-US" dirty="0"/>
+              <a:t>Explain plots on the right</a:t>
+            </a:r>
+          </a:p>
+          <a:p>
+            <a:r>
+              <a:rPr lang="en-US" dirty="0"/>
+              <a:t>    histograms plotting distribution of the CD4 gene for 2 samples</a:t>
+            </a:r>
+          </a:p>
+          <a:p>
+            <a:r>
+              <a:rPr lang="en-US" dirty="0"/>
+              <a:t>    took out cells that have 0 counts, so we can see the transformation</a:t>
+            </a:r>
+          </a:p>
+          <a:p>
+            <a:r>
+              <a:rPr lang="en-US" dirty="0"/>
+              <a:t>    top plots = raw counts</a:t>
+            </a:r>
+          </a:p>
+          <a:p>
+            <a:r>
+              <a:rPr lang="en-US" dirty="0"/>
+              <a:t>    bottom plots = normalized counts </a:t>
+            </a:r>
+          </a:p>
+          <a:p>
+            <a:r>
+              <a:rPr lang="en-US" dirty="0"/>
+              <a:t>    distribution goes to a more normal distribution</a:t>
+            </a:r>
+          </a:p>
+          <a:p>
+            <a:r>
+              <a:rPr lang="en-US" dirty="0"/>
+              <a:t>    can also see the values much better and samples are on same scale</a:t>
+            </a:r>
+          </a:p>
+          <a:p>
+            <a:r>
+              <a:rPr lang="en-US" dirty="0"/>
+              <a:t>    talk about scales for raw and normalized counts </a:t>
+            </a:r>
+          </a:p>
+          <a:p>
+            <a:r>
+              <a:rPr lang="en-US" dirty="0"/>
+              <a:t>        can’t compare between raw counts</a:t>
+            </a:r>
+          </a:p>
+          <a:p>
+            <a:r>
+              <a:rPr lang="en-US" dirty="0"/>
+              <a:t>        can compare between normalized counts </a:t>
             </a:r>
           </a:p>
         </p:txBody>
@@ -2733,7 +2754,7 @@
           <a:p>
             <a:fld id="{49E9D4D6-284E-4407-AEDA-A70F178DAD60}" type="slidenum">
               <a:rPr lang="en-US" smtClean="0"/>
-              <a:t>29</a:t>
+              <a:t>28</a:t>
             </a:fld>
             <a:endParaRPr lang="en-US"/>
           </a:p>
@@ -2742,7 +2763,7 @@
     </p:spTree>
     <p:extLst>
       <p:ext uri="{BB962C8B-B14F-4D97-AF65-F5344CB8AC3E}">
-        <p14:creationId xmlns:p14="http://schemas.microsoft.com/office/powerpoint/2010/main" val="4204799851"/>
+        <p14:creationId xmlns:p14="http://schemas.microsoft.com/office/powerpoint/2010/main" val="3783013454"/>
       </p:ext>
     </p:extLst>
   </p:cSld>
@@ -2796,7 +2817,10 @@
           <a:bodyPr/>
           <a:lstStyle/>
           <a:p>
-            <a:endParaRPr lang="en-US" dirty="0"/>
+            <a:r>
+              <a:rPr lang="en-US" dirty="0"/>
+              <a:t>Read all bullet points</a:t>
+            </a:r>
           </a:p>
         </p:txBody>
       </p:sp>
@@ -2817,7 +2841,7 @@
           <a:p>
             <a:fld id="{49E9D4D6-284E-4407-AEDA-A70F178DAD60}" type="slidenum">
               <a:rPr lang="en-US" smtClean="0"/>
-              <a:t>30</a:t>
+              <a:t>29</a:t>
             </a:fld>
             <a:endParaRPr lang="en-US"/>
           </a:p>
@@ -2826,7 +2850,7 @@
     </p:spTree>
     <p:extLst>
       <p:ext uri="{BB962C8B-B14F-4D97-AF65-F5344CB8AC3E}">
-        <p14:creationId xmlns:p14="http://schemas.microsoft.com/office/powerpoint/2010/main" val="4013405798"/>
+        <p14:creationId xmlns:p14="http://schemas.microsoft.com/office/powerpoint/2010/main" val="4204799851"/>
       </p:ext>
     </p:extLst>
   </p:cSld>
@@ -2880,64 +2904,7 @@
           <a:bodyPr/>
           <a:lstStyle/>
           <a:p>
-            <a:r>
-              <a:rPr lang="en-US" dirty="0"/>
-              <a:t>Read first major bullet point</a:t>
-            </a:r>
-          </a:p>
-          <a:p>
-            <a:r>
-              <a:rPr lang="en-US" dirty="0"/>
-              <a:t>    don’t want to run on all 10k-20k genes</a:t>
-            </a:r>
-          </a:p>
-          <a:p>
-            <a:r>
-              <a:rPr lang="en-US" dirty="0"/>
-              <a:t>    takes long time to run and including all will not help analysis</a:t>
-            </a:r>
-          </a:p>
-          <a:p>
-            <a:r>
-              <a:rPr lang="en-US" dirty="0"/>
-              <a:t>Find genes that tell us what different cell types are in our dataset</a:t>
-            </a:r>
-          </a:p>
-          <a:p>
-            <a:r>
-              <a:rPr lang="en-US" dirty="0"/>
-              <a:t>Categories of genes</a:t>
-            </a:r>
-          </a:p>
-          <a:p>
-            <a:r>
-              <a:rPr lang="en-US" dirty="0"/>
-              <a:t>    read first sub bullet points</a:t>
-            </a:r>
-          </a:p>
-          <a:p>
-            <a:r>
-              <a:rPr lang="en-US" dirty="0"/>
-              <a:t>    first category should already be filtered out from QC</a:t>
-            </a:r>
-          </a:p>
-          <a:p>
-            <a:r>
-              <a:rPr lang="en-US" dirty="0"/>
-              <a:t>    second category and TYRP1 plot</a:t>
-            </a:r>
-          </a:p>
-          <a:p>
-            <a:r>
-              <a:rPr lang="en-US" dirty="0"/>
-              <a:t>    third category and HBA1</a:t>
-            </a:r>
-          </a:p>
-          <a:p>
-            <a:r>
-              <a:rPr lang="en-US" dirty="0"/>
-              <a:t>Read second major bullet points</a:t>
-            </a:r>
+            <a:endParaRPr lang="en-US" dirty="0"/>
           </a:p>
         </p:txBody>
       </p:sp>
@@ -2958,7 +2925,7 @@
           <a:p>
             <a:fld id="{49E9D4D6-284E-4407-AEDA-A70F178DAD60}" type="slidenum">
               <a:rPr lang="en-US" smtClean="0"/>
-              <a:t>31</a:t>
+              <a:t>30</a:t>
             </a:fld>
             <a:endParaRPr lang="en-US"/>
           </a:p>
@@ -2967,7 +2934,7 @@
     </p:spTree>
     <p:extLst>
       <p:ext uri="{BB962C8B-B14F-4D97-AF65-F5344CB8AC3E}">
-        <p14:creationId xmlns:p14="http://schemas.microsoft.com/office/powerpoint/2010/main" val="2125173583"/>
+        <p14:creationId xmlns:p14="http://schemas.microsoft.com/office/powerpoint/2010/main" val="4013405798"/>
       </p:ext>
     </p:extLst>
   </p:cSld>
@@ -3023,41 +2990,38 @@
           <a:p>
             <a:r>
               <a:rPr lang="en-US" dirty="0"/>
-              <a:t>Show customized Seurat pipeline</a:t>
-            </a:r>
-          </a:p>
-          <a:p>
-            <a:r>
-              <a:rPr lang="en-US" dirty="0"/>
-              <a:t>    similar to tutorial on website</a:t>
-            </a:r>
-          </a:p>
-          <a:p>
-            <a:r>
-              <a:rPr lang="en-US" dirty="0"/>
-              <a:t>    other good tutorials too</a:t>
-            </a:r>
-          </a:p>
-          <a:p>
-            <a:r>
-              <a:rPr lang="en-US" dirty="0"/>
-              <a:t>Pipeline split into 2 depending on processing needed</a:t>
-            </a:r>
-          </a:p>
-          <a:p>
-            <a:r>
-              <a:rPr lang="en-US" dirty="0"/>
-              <a:t>Read all bullet points on slide</a:t>
-            </a:r>
-          </a:p>
-          <a:p>
-            <a:r>
-              <a:rPr lang="en-US" dirty="0"/>
-              <a:t>Start with standard and go back to integration</a:t>
-            </a:r>
-          </a:p>
-          <a:p>
-            <a:endParaRPr lang="en-US" dirty="0"/>
+              <a:t>What is Seurat?</a:t>
+            </a:r>
+          </a:p>
+          <a:p>
+            <a:r>
+              <a:rPr lang="en-US" dirty="0"/>
+              <a:t>    read all points on slide</a:t>
+            </a:r>
+          </a:p>
+          <a:p>
+            <a:r>
+              <a:rPr lang="en-US" dirty="0"/>
+              <a:t>Lots of packages that do same or better</a:t>
+            </a:r>
+          </a:p>
+          <a:p>
+            <a:r>
+              <a:rPr lang="en-US" dirty="0"/>
+              <a:t>    Seurat is a very good tool</a:t>
+            </a:r>
+          </a:p>
+          <a:p>
+            <a:r>
+              <a:rPr lang="en-US" dirty="0"/>
+              <a:t>All pipelines follow similar workflow</a:t>
+            </a:r>
+          </a:p>
+          <a:p>
+            <a:r>
+              <a:rPr lang="en-US" dirty="0"/>
+              <a:t>    if can understand processing steps, then can use any tool</a:t>
+            </a:r>
           </a:p>
         </p:txBody>
       </p:sp>
@@ -3078,7 +3042,7 @@
           <a:p>
             <a:fld id="{49E9D4D6-284E-4407-AEDA-A70F178DAD60}" type="slidenum">
               <a:rPr lang="en-US" smtClean="0"/>
-              <a:t>4</a:t>
+              <a:t>3</a:t>
             </a:fld>
             <a:endParaRPr lang="en-US"/>
           </a:p>
@@ -3087,7 +3051,7 @@
     </p:spTree>
     <p:extLst>
       <p:ext uri="{BB962C8B-B14F-4D97-AF65-F5344CB8AC3E}">
-        <p14:creationId xmlns:p14="http://schemas.microsoft.com/office/powerpoint/2010/main" val="3523261197"/>
+        <p14:creationId xmlns:p14="http://schemas.microsoft.com/office/powerpoint/2010/main" val="2950115229"/>
       </p:ext>
     </p:extLst>
   </p:cSld>
@@ -3143,13 +3107,61 @@
           <a:p>
             <a:r>
               <a:rPr lang="en-US" dirty="0"/>
-              <a:t>Read all bullet points</a:t>
-            </a:r>
-          </a:p>
-          <a:p>
-            <a:r>
-              <a:rPr lang="en-US" dirty="0"/>
-              <a:t>All these methods will find most variable genes, which gives us most information about our dataset</a:t>
+              <a:t>Read first major bullet point</a:t>
+            </a:r>
+          </a:p>
+          <a:p>
+            <a:r>
+              <a:rPr lang="en-US" dirty="0"/>
+              <a:t>    don’t want to run on all 10k-20k genes</a:t>
+            </a:r>
+          </a:p>
+          <a:p>
+            <a:r>
+              <a:rPr lang="en-US" dirty="0"/>
+              <a:t>    takes long time to run and including all will not help analysis</a:t>
+            </a:r>
+          </a:p>
+          <a:p>
+            <a:r>
+              <a:rPr lang="en-US" dirty="0"/>
+              <a:t>Find genes that tell us what different cell types are in our dataset</a:t>
+            </a:r>
+          </a:p>
+          <a:p>
+            <a:r>
+              <a:rPr lang="en-US" dirty="0"/>
+              <a:t>Categories of genes</a:t>
+            </a:r>
+          </a:p>
+          <a:p>
+            <a:r>
+              <a:rPr lang="en-US" dirty="0"/>
+              <a:t>    read first sub bullet points</a:t>
+            </a:r>
+          </a:p>
+          <a:p>
+            <a:r>
+              <a:rPr lang="en-US" dirty="0"/>
+              <a:t>    first category should already be filtered out from QC</a:t>
+            </a:r>
+          </a:p>
+          <a:p>
+            <a:r>
+              <a:rPr lang="en-US" dirty="0"/>
+              <a:t>    second category and TYRP1 plot</a:t>
+            </a:r>
+          </a:p>
+          <a:p>
+            <a:r>
+              <a:rPr lang="en-US" dirty="0"/>
+              <a:t>    third category and HBA1</a:t>
+            </a:r>
+          </a:p>
+          <a:p>
+            <a:r>
+              <a:rPr lang="en-US" dirty="0"/>
+              <a:t>Read second major bullet points</a:t>
             </a:r>
           </a:p>
         </p:txBody>
@@ -3171,7 +3183,7 @@
           <a:p>
             <a:fld id="{49E9D4D6-284E-4407-AEDA-A70F178DAD60}" type="slidenum">
               <a:rPr lang="en-US" smtClean="0"/>
-              <a:t>32</a:t>
+              <a:t>31</a:t>
             </a:fld>
             <a:endParaRPr lang="en-US"/>
           </a:p>
@@ -3180,7 +3192,7 @@
     </p:spTree>
     <p:extLst>
       <p:ext uri="{BB962C8B-B14F-4D97-AF65-F5344CB8AC3E}">
-        <p14:creationId xmlns:p14="http://schemas.microsoft.com/office/powerpoint/2010/main" val="1031219374"/>
+        <p14:creationId xmlns:p14="http://schemas.microsoft.com/office/powerpoint/2010/main" val="2125173583"/>
       </p:ext>
     </p:extLst>
   </p:cSld>
@@ -3236,51 +3248,13 @@
           <a:p>
             <a:r>
               <a:rPr lang="en-US" dirty="0"/>
-              <a:t>Read first major and (first) sub points</a:t>
-            </a:r>
-          </a:p>
-          <a:p>
-            <a:r>
-              <a:rPr lang="en-US" dirty="0"/>
-              <a:t>Explain plot on the right </a:t>
-            </a:r>
-          </a:p>
-          <a:p>
-            <a:r>
-              <a:rPr lang="en-US" dirty="0"/>
-              <a:t>    each dot is a gene</a:t>
-            </a:r>
-          </a:p>
-          <a:p>
-            <a:r>
-              <a:rPr lang="en-US" dirty="0"/>
-              <a:t>    standardized variance values are from </a:t>
-            </a:r>
-            <a:r>
-              <a:rPr lang="en-US" dirty="0" err="1"/>
-              <a:t>vst</a:t>
-            </a:r>
-            <a:r>
-              <a:rPr lang="en-US" dirty="0"/>
-              <a:t> </a:t>
-            </a:r>
-          </a:p>
-          <a:p>
-            <a:r>
-              <a:rPr lang="en-US" dirty="0"/>
-              <a:t>    lots of genes have very low variance (are in black)</a:t>
-            </a:r>
-          </a:p>
-          <a:p>
-            <a:r>
-              <a:rPr lang="en-US" dirty="0"/>
-              <a:t>    variable genes have high variance (are in red)</a:t>
-            </a:r>
-          </a:p>
-          <a:p>
-            <a:r>
-              <a:rPr lang="en-US" dirty="0"/>
-              <a:t>Read second and third sub points</a:t>
+              <a:t>Read all bullet points</a:t>
+            </a:r>
+          </a:p>
+          <a:p>
+            <a:r>
+              <a:rPr lang="en-US" dirty="0"/>
+              <a:t>All these methods will find most variable genes, which gives us most information about our dataset</a:t>
             </a:r>
           </a:p>
         </p:txBody>
@@ -3302,7 +3276,7 @@
           <a:p>
             <a:fld id="{49E9D4D6-284E-4407-AEDA-A70F178DAD60}" type="slidenum">
               <a:rPr lang="en-US" smtClean="0"/>
-              <a:t>33</a:t>
+              <a:t>32</a:t>
             </a:fld>
             <a:endParaRPr lang="en-US"/>
           </a:p>
@@ -3311,7 +3285,7 @@
     </p:spTree>
     <p:extLst>
       <p:ext uri="{BB962C8B-B14F-4D97-AF65-F5344CB8AC3E}">
-        <p14:creationId xmlns:p14="http://schemas.microsoft.com/office/powerpoint/2010/main" val="3823732381"/>
+        <p14:creationId xmlns:p14="http://schemas.microsoft.com/office/powerpoint/2010/main" val="1031219374"/>
       </p:ext>
     </p:extLst>
   </p:cSld>
@@ -3367,39 +3341,51 @@
           <a:p>
             <a:r>
               <a:rPr lang="en-US" dirty="0"/>
-              <a:t>Example of changing # of variable features</a:t>
-            </a:r>
-          </a:p>
-          <a:p>
-            <a:r>
-              <a:rPr lang="en-US" dirty="0"/>
-              <a:t>    left = focus on orange and red cluster (</a:t>
+              <a:t>Read first major and (first) sub points</a:t>
+            </a:r>
+          </a:p>
+          <a:p>
+            <a:r>
+              <a:rPr lang="en-US" dirty="0"/>
+              <a:t>Explain plot on the right </a:t>
+            </a:r>
+          </a:p>
+          <a:p>
+            <a:r>
+              <a:rPr lang="en-US" dirty="0"/>
+              <a:t>    each dot is a gene</a:t>
+            </a:r>
+          </a:p>
+          <a:p>
+            <a:r>
+              <a:rPr lang="en-US" dirty="0"/>
+              <a:t>    standardized variance values are from </a:t>
             </a:r>
             <a:r>
               <a:rPr lang="en-US" dirty="0" err="1"/>
-              <a:t>underclustering</a:t>
-            </a:r>
-            <a:r>
-              <a:rPr lang="en-US" dirty="0"/>
-              <a:t>)</a:t>
-            </a:r>
-          </a:p>
-          <a:p>
-            <a:r>
-              <a:rPr lang="en-US" dirty="0"/>
-              <a:t>    right = more clusters but maybe not biological </a:t>
-            </a:r>
-          </a:p>
-          <a:p>
-            <a:r>
-              <a:rPr lang="en-US" dirty="0"/>
-              <a:t>        only way to check is to check expression of clusters</a:t>
-            </a:r>
-          </a:p>
-          <a:p>
-            <a:r>
-              <a:rPr lang="en-US" dirty="0"/>
-              <a:t>    middle = similar to right plot</a:t>
+              <a:t>vst</a:t>
+            </a:r>
+            <a:r>
+              <a:rPr lang="en-US" dirty="0"/>
+              <a:t> </a:t>
+            </a:r>
+          </a:p>
+          <a:p>
+            <a:r>
+              <a:rPr lang="en-US" dirty="0"/>
+              <a:t>    lots of genes have very low variance (are in black)</a:t>
+            </a:r>
+          </a:p>
+          <a:p>
+            <a:r>
+              <a:rPr lang="en-US" dirty="0"/>
+              <a:t>    variable genes have high variance (are in red)</a:t>
+            </a:r>
+          </a:p>
+          <a:p>
+            <a:r>
+              <a:rPr lang="en-US" dirty="0"/>
+              <a:t>Read second and third sub points</a:t>
             </a:r>
           </a:p>
         </p:txBody>
@@ -3421,7 +3407,7 @@
           <a:p>
             <a:fld id="{49E9D4D6-284E-4407-AEDA-A70F178DAD60}" type="slidenum">
               <a:rPr lang="en-US" smtClean="0"/>
-              <a:t>34</a:t>
+              <a:t>33</a:t>
             </a:fld>
             <a:endParaRPr lang="en-US"/>
           </a:p>
@@ -3430,7 +3416,7 @@
     </p:spTree>
     <p:extLst>
       <p:ext uri="{BB962C8B-B14F-4D97-AF65-F5344CB8AC3E}">
-        <p14:creationId xmlns:p14="http://schemas.microsoft.com/office/powerpoint/2010/main" val="23335935"/>
+        <p14:creationId xmlns:p14="http://schemas.microsoft.com/office/powerpoint/2010/main" val="3823732381"/>
       </p:ext>
     </p:extLst>
   </p:cSld>
@@ -3486,23 +3472,40 @@
           <a:p>
             <a:r>
               <a:rPr lang="en-US" dirty="0"/>
-              <a:t>Not everyone does this but I like checking on this</a:t>
-            </a:r>
-          </a:p>
-          <a:p>
-            <a:r>
-              <a:rPr lang="en-US" dirty="0"/>
-              <a:t>Read first major bullet points </a:t>
-            </a:r>
-          </a:p>
-          <a:p>
-            <a:r>
-              <a:rPr lang="en-US" dirty="0"/>
-              <a:t>Subjective process; depends on dataset</a:t>
-            </a:r>
-          </a:p>
-          <a:p>
-            <a:endParaRPr lang="en-US" dirty="0"/>
+              <a:t>Example of changing # of variable features</a:t>
+            </a:r>
+          </a:p>
+          <a:p>
+            <a:r>
+              <a:rPr lang="en-US" dirty="0"/>
+              <a:t>    left = focus on orange and red cluster (</a:t>
+            </a:r>
+            <a:r>
+              <a:rPr lang="en-US" dirty="0" err="1"/>
+              <a:t>underclustering</a:t>
+            </a:r>
+            <a:r>
+              <a:rPr lang="en-US" dirty="0"/>
+              <a:t>)</a:t>
+            </a:r>
+          </a:p>
+          <a:p>
+            <a:r>
+              <a:rPr lang="en-US" dirty="0"/>
+              <a:t>    right = more clusters but maybe not biological </a:t>
+            </a:r>
+          </a:p>
+          <a:p>
+            <a:r>
+              <a:rPr lang="en-US" dirty="0"/>
+              <a:t>        only way to check is to check expression of clusters</a:t>
+            </a:r>
+          </a:p>
+          <a:p>
+            <a:r>
+              <a:rPr lang="en-US" dirty="0"/>
+              <a:t>    middle = similar to right plot</a:t>
+            </a:r>
           </a:p>
         </p:txBody>
       </p:sp>
@@ -3523,7 +3526,7 @@
           <a:p>
             <a:fld id="{49E9D4D6-284E-4407-AEDA-A70F178DAD60}" type="slidenum">
               <a:rPr lang="en-US" smtClean="0"/>
-              <a:t>36</a:t>
+              <a:t>34</a:t>
             </a:fld>
             <a:endParaRPr lang="en-US"/>
           </a:p>
@@ -3532,7 +3535,7 @@
     </p:spTree>
     <p:extLst>
       <p:ext uri="{BB962C8B-B14F-4D97-AF65-F5344CB8AC3E}">
-        <p14:creationId xmlns:p14="http://schemas.microsoft.com/office/powerpoint/2010/main" val="1609076324"/>
+        <p14:creationId xmlns:p14="http://schemas.microsoft.com/office/powerpoint/2010/main" val="23335935"/>
       </p:ext>
     </p:extLst>
   </p:cSld>
@@ -3588,26 +3591,23 @@
           <a:p>
             <a:r>
               <a:rPr lang="en-US" dirty="0"/>
-              <a:t>Let’s do a little exercise on cell cycle QC</a:t>
-            </a:r>
-          </a:p>
-          <a:p>
-            <a:r>
-              <a:rPr lang="en-US" dirty="0"/>
-              <a:t>Given description of 2 datasets</a:t>
-            </a:r>
-          </a:p>
-          <a:p>
-            <a:r>
-              <a:rPr lang="en-US" dirty="0"/>
-              <a:t>Want to decide if should correct</a:t>
-            </a:r>
-          </a:p>
-          <a:p>
-            <a:r>
-              <a:rPr lang="en-US" dirty="0"/>
-              <a:t>No wrong answer here</a:t>
-            </a:r>
+              <a:t>Not everyone does this but I like checking on this</a:t>
+            </a:r>
+          </a:p>
+          <a:p>
+            <a:r>
+              <a:rPr lang="en-US" dirty="0"/>
+              <a:t>Read first major bullet points </a:t>
+            </a:r>
+          </a:p>
+          <a:p>
+            <a:r>
+              <a:rPr lang="en-US" dirty="0"/>
+              <a:t>Subjective process; depends on dataset</a:t>
+            </a:r>
+          </a:p>
+          <a:p>
+            <a:endParaRPr lang="en-US" dirty="0"/>
           </a:p>
         </p:txBody>
       </p:sp>
@@ -3628,7 +3628,7 @@
           <a:p>
             <a:fld id="{49E9D4D6-284E-4407-AEDA-A70F178DAD60}" type="slidenum">
               <a:rPr lang="en-US" smtClean="0"/>
-              <a:t>37</a:t>
+              <a:t>36</a:t>
             </a:fld>
             <a:endParaRPr lang="en-US"/>
           </a:p>
@@ -3637,7 +3637,7 @@
     </p:spTree>
     <p:extLst>
       <p:ext uri="{BB962C8B-B14F-4D97-AF65-F5344CB8AC3E}">
-        <p14:creationId xmlns:p14="http://schemas.microsoft.com/office/powerpoint/2010/main" val="3406913254"/>
+        <p14:creationId xmlns:p14="http://schemas.microsoft.com/office/powerpoint/2010/main" val="1609076324"/>
       </p:ext>
     </p:extLst>
   </p:cSld>
@@ -3693,19 +3693,25 @@
           <a:p>
             <a:r>
               <a:rPr lang="en-US" dirty="0"/>
-              <a:t>Show my answers </a:t>
-            </a:r>
-          </a:p>
-          <a:p>
-            <a:r>
-              <a:rPr lang="en-US" dirty="0"/>
-              <a:t>Read first major bullet points</a:t>
-            </a:r>
-          </a:p>
-          <a:p>
-            <a:r>
-              <a:rPr lang="en-US" dirty="0"/>
-              <a:t>Read second major bullet points </a:t>
+              <a:t>Let’s do a little exercise on cell cycle QC</a:t>
+            </a:r>
+          </a:p>
+          <a:p>
+            <a:r>
+              <a:rPr lang="en-US" dirty="0"/>
+              <a:t>Given description of 2 datasets</a:t>
+            </a:r>
+          </a:p>
+          <a:p>
+            <a:r>
+              <a:rPr lang="en-US" dirty="0"/>
+              <a:t>Want to decide if should correct</a:t>
+            </a:r>
+          </a:p>
+          <a:p>
+            <a:r>
+              <a:rPr lang="en-US" dirty="0"/>
+              <a:t>No wrong answer here</a:t>
             </a:r>
           </a:p>
         </p:txBody>
@@ -3727,7 +3733,7 @@
           <a:p>
             <a:fld id="{49E9D4D6-284E-4407-AEDA-A70F178DAD60}" type="slidenum">
               <a:rPr lang="en-US" smtClean="0"/>
-              <a:t>38</a:t>
+              <a:t>37</a:t>
             </a:fld>
             <a:endParaRPr lang="en-US"/>
           </a:p>
@@ -3736,7 +3742,7 @@
     </p:spTree>
     <p:extLst>
       <p:ext uri="{BB962C8B-B14F-4D97-AF65-F5344CB8AC3E}">
-        <p14:creationId xmlns:p14="http://schemas.microsoft.com/office/powerpoint/2010/main" val="2679501031"/>
+        <p14:creationId xmlns:p14="http://schemas.microsoft.com/office/powerpoint/2010/main" val="3406913254"/>
       </p:ext>
     </p:extLst>
   </p:cSld>
@@ -3792,7 +3798,19 @@
           <a:p>
             <a:r>
               <a:rPr lang="en-US" dirty="0"/>
-              <a:t>Read first major bullet points </a:t>
+              <a:t>Show my answers </a:t>
+            </a:r>
+          </a:p>
+          <a:p>
+            <a:r>
+              <a:rPr lang="en-US" dirty="0"/>
+              <a:t>Read first major bullet points</a:t>
+            </a:r>
+          </a:p>
+          <a:p>
+            <a:r>
+              <a:rPr lang="en-US" dirty="0"/>
+              <a:t>Read second major bullet points </a:t>
             </a:r>
           </a:p>
         </p:txBody>
@@ -3814,7 +3832,7 @@
           <a:p>
             <a:fld id="{49E9D4D6-284E-4407-AEDA-A70F178DAD60}" type="slidenum">
               <a:rPr lang="en-US" smtClean="0"/>
-              <a:t>39</a:t>
+              <a:t>38</a:t>
             </a:fld>
             <a:endParaRPr lang="en-US"/>
           </a:p>
@@ -3823,7 +3841,7 @@
     </p:spTree>
     <p:extLst>
       <p:ext uri="{BB962C8B-B14F-4D97-AF65-F5344CB8AC3E}">
-        <p14:creationId xmlns:p14="http://schemas.microsoft.com/office/powerpoint/2010/main" val="4027881264"/>
+        <p14:creationId xmlns:p14="http://schemas.microsoft.com/office/powerpoint/2010/main" val="2679501031"/>
       </p:ext>
     </p:extLst>
   </p:cSld>
@@ -3879,25 +3897,7 @@
           <a:p>
             <a:r>
               <a:rPr lang="en-US" dirty="0"/>
-              <a:t>Example of cell cycle batch correction</a:t>
-            </a:r>
-          </a:p>
-          <a:p>
-            <a:r>
-              <a:rPr lang="en-US" dirty="0"/>
-              <a:t>Explain left plot</a:t>
-            </a:r>
-          </a:p>
-          <a:p>
-            <a:r>
-              <a:rPr lang="en-US" dirty="0"/>
-              <a:t>Explain middle plot</a:t>
-            </a:r>
-          </a:p>
-          <a:p>
-            <a:r>
-              <a:rPr lang="en-US" dirty="0"/>
-              <a:t>Explain right plot</a:t>
+              <a:t>Read first major bullet points </a:t>
             </a:r>
           </a:p>
         </p:txBody>
@@ -3919,7 +3919,7 @@
           <a:p>
             <a:fld id="{49E9D4D6-284E-4407-AEDA-A70F178DAD60}" type="slidenum">
               <a:rPr lang="en-US" smtClean="0"/>
-              <a:t>40</a:t>
+              <a:t>39</a:t>
             </a:fld>
             <a:endParaRPr lang="en-US"/>
           </a:p>
@@ -3928,7 +3928,7 @@
     </p:spTree>
     <p:extLst>
       <p:ext uri="{BB962C8B-B14F-4D97-AF65-F5344CB8AC3E}">
-        <p14:creationId xmlns:p14="http://schemas.microsoft.com/office/powerpoint/2010/main" val="2843846568"/>
+        <p14:creationId xmlns:p14="http://schemas.microsoft.com/office/powerpoint/2010/main" val="4027881264"/>
       </p:ext>
     </p:extLst>
   </p:cSld>
@@ -3984,19 +3984,25 @@
           <a:p>
             <a:r>
               <a:rPr lang="en-US" dirty="0"/>
-              <a:t>Read first major bullet point</a:t>
-            </a:r>
-          </a:p>
-          <a:p>
-            <a:r>
-              <a:rPr lang="en-US" dirty="0"/>
-              <a:t>Read second major bullet points</a:t>
-            </a:r>
-          </a:p>
-          <a:p>
-            <a:r>
-              <a:rPr lang="en-US" dirty="0"/>
-              <a:t>Read third major bullet points</a:t>
+              <a:t>Example of cell cycle batch correction</a:t>
+            </a:r>
+          </a:p>
+          <a:p>
+            <a:r>
+              <a:rPr lang="en-US" dirty="0"/>
+              <a:t>Explain left plot</a:t>
+            </a:r>
+          </a:p>
+          <a:p>
+            <a:r>
+              <a:rPr lang="en-US" dirty="0"/>
+              <a:t>Explain middle plot</a:t>
+            </a:r>
+          </a:p>
+          <a:p>
+            <a:r>
+              <a:rPr lang="en-US" dirty="0"/>
+              <a:t>Explain right plot</a:t>
             </a:r>
           </a:p>
         </p:txBody>
@@ -4018,7 +4024,7 @@
           <a:p>
             <a:fld id="{49E9D4D6-284E-4407-AEDA-A70F178DAD60}" type="slidenum">
               <a:rPr lang="en-US" smtClean="0"/>
-              <a:t>42</a:t>
+              <a:t>40</a:t>
             </a:fld>
             <a:endParaRPr lang="en-US"/>
           </a:p>
@@ -4027,7 +4033,7 @@
     </p:spTree>
     <p:extLst>
       <p:ext uri="{BB962C8B-B14F-4D97-AF65-F5344CB8AC3E}">
-        <p14:creationId xmlns:p14="http://schemas.microsoft.com/office/powerpoint/2010/main" val="1699304912"/>
+        <p14:creationId xmlns:p14="http://schemas.microsoft.com/office/powerpoint/2010/main" val="2843846568"/>
       </p:ext>
     </p:extLst>
   </p:cSld>
@@ -4083,31 +4089,19 @@
           <a:p>
             <a:r>
               <a:rPr lang="en-US" dirty="0"/>
-              <a:t>Scaling sounds like normalization, {read first major bullet point}</a:t>
-            </a:r>
-          </a:p>
-          <a:p>
-            <a:r>
-              <a:rPr lang="en-US" dirty="0"/>
-              <a:t>Read first sub bullet points</a:t>
-            </a:r>
-          </a:p>
-          <a:p>
-            <a:r>
-              <a:rPr lang="en-US" dirty="0"/>
-              <a:t>Explain plots on right </a:t>
-            </a:r>
-          </a:p>
-          <a:p>
-            <a:r>
-              <a:rPr lang="en-US" dirty="0"/>
-              <a:t>    top is normalization</a:t>
-            </a:r>
-          </a:p>
-          <a:p>
-            <a:r>
-              <a:rPr lang="en-US" dirty="0"/>
-              <a:t>    bottom is scaling</a:t>
+              <a:t>Read first major bullet point</a:t>
+            </a:r>
+          </a:p>
+          <a:p>
+            <a:r>
+              <a:rPr lang="en-US" dirty="0"/>
+              <a:t>Read second major bullet points</a:t>
+            </a:r>
+          </a:p>
+          <a:p>
+            <a:r>
+              <a:rPr lang="en-US" dirty="0"/>
+              <a:t>Read third major bullet points</a:t>
             </a:r>
           </a:p>
         </p:txBody>
@@ -4129,7 +4123,7 @@
           <a:p>
             <a:fld id="{49E9D4D6-284E-4407-AEDA-A70F178DAD60}" type="slidenum">
               <a:rPr lang="en-US" smtClean="0"/>
-              <a:t>43</a:t>
+              <a:t>42</a:t>
             </a:fld>
             <a:endParaRPr lang="en-US"/>
           </a:p>
@@ -4138,7 +4132,7 @@
     </p:spTree>
     <p:extLst>
       <p:ext uri="{BB962C8B-B14F-4D97-AF65-F5344CB8AC3E}">
-        <p14:creationId xmlns:p14="http://schemas.microsoft.com/office/powerpoint/2010/main" val="4025846723"/>
+        <p14:creationId xmlns:p14="http://schemas.microsoft.com/office/powerpoint/2010/main" val="1699304912"/>
       </p:ext>
     </p:extLst>
   </p:cSld>
@@ -4194,75 +4188,41 @@
           <a:p>
             <a:r>
               <a:rPr lang="en-US" dirty="0"/>
-              <a:t>Using wonderful dataset from </a:t>
-            </a:r>
-            <a:r>
-              <a:rPr lang="en-US" dirty="0" err="1"/>
-              <a:t>Pasca</a:t>
-            </a:r>
-            <a:r>
-              <a:rPr lang="en-US" dirty="0"/>
-              <a:t> lab</a:t>
-            </a:r>
-          </a:p>
-          <a:p>
-            <a:r>
-              <a:rPr lang="en-US" dirty="0"/>
-              <a:t>    study pancreatic cancer on UMICH campus</a:t>
-            </a:r>
-          </a:p>
-          <a:p>
-            <a:r>
-              <a:rPr lang="en-US" dirty="0"/>
-              <a:t>Thanks to Marina </a:t>
-            </a:r>
-            <a:r>
-              <a:rPr lang="en-US" dirty="0" err="1"/>
-              <a:t>Pasca</a:t>
-            </a:r>
+              <a:t>Show customized Seurat pipeline</a:t>
+            </a:r>
+          </a:p>
+          <a:p>
+            <a:r>
+              <a:rPr lang="en-US" dirty="0"/>
+              <a:t>    similar to tutorial on website</a:t>
+            </a:r>
+          </a:p>
+          <a:p>
+            <a:r>
+              <a:rPr lang="en-US" dirty="0"/>
+              <a:t>    other good tutorials too</a:t>
+            </a:r>
+          </a:p>
+          <a:p>
+            <a:r>
+              <a:rPr lang="en-US" dirty="0"/>
+              <a:t>Pipeline split into 2 depending on processing needed</a:t>
+            </a:r>
+          </a:p>
+          <a:p>
+            <a:r>
+              <a:rPr lang="en-US" dirty="0"/>
+              <a:t>Read all bullet points on slide</a:t>
+            </a:r>
+          </a:p>
+          <a:p>
+            <a:r>
+              <a:rPr lang="en-US" dirty="0"/>
+              <a:t>Start with standard and go back to integration</a:t>
+            </a:r>
+          </a:p>
+          <a:p>
             <a:endParaRPr lang="en-US" dirty="0"/>
-          </a:p>
-          <a:p>
-            <a:r>
-              <a:rPr lang="en-US" dirty="0"/>
-              <a:t>    helped with making part of pipeline for paper on dataset</a:t>
-            </a:r>
-          </a:p>
-          <a:p>
-            <a:r>
-              <a:rPr lang="en-US" dirty="0"/>
-              <a:t>Read first major bullet points</a:t>
-            </a:r>
-          </a:p>
-          <a:p>
-            <a:r>
-              <a:rPr lang="en-US" dirty="0"/>
-              <a:t>Dataset not sensitive </a:t>
-            </a:r>
-          </a:p>
-          <a:p>
-            <a:r>
-              <a:rPr lang="en-US" dirty="0"/>
-              <a:t>    not showing any clinical patient data</a:t>
-            </a:r>
-          </a:p>
-          <a:p>
-            <a:r>
-              <a:rPr lang="en-US" dirty="0"/>
-              <a:t>Read second major bullet points</a:t>
-            </a:r>
-          </a:p>
-          <a:p>
-            <a:r>
-              <a:rPr lang="en-US" dirty="0"/>
-              <a:t>    each sample is from a different patient</a:t>
-            </a:r>
-          </a:p>
-          <a:p>
-            <a:r>
-              <a:rPr lang="en-US" dirty="0"/>
-              <a:t>Mention third bullet point article</a:t>
-            </a:r>
           </a:p>
         </p:txBody>
       </p:sp>
@@ -4283,7 +4243,7 @@
           <a:p>
             <a:fld id="{49E9D4D6-284E-4407-AEDA-A70F178DAD60}" type="slidenum">
               <a:rPr lang="en-US" smtClean="0"/>
-              <a:t>5</a:t>
+              <a:t>4</a:t>
             </a:fld>
             <a:endParaRPr lang="en-US"/>
           </a:p>
@@ -4292,7 +4252,7 @@
     </p:spTree>
     <p:extLst>
       <p:ext uri="{BB962C8B-B14F-4D97-AF65-F5344CB8AC3E}">
-        <p14:creationId xmlns:p14="http://schemas.microsoft.com/office/powerpoint/2010/main" val="1114773596"/>
+        <p14:creationId xmlns:p14="http://schemas.microsoft.com/office/powerpoint/2010/main" val="3523261197"/>
       </p:ext>
     </p:extLst>
   </p:cSld>
@@ -4348,19 +4308,31 @@
           <a:p>
             <a:r>
               <a:rPr lang="en-US" dirty="0"/>
-              <a:t>Read first major bullet points</a:t>
-            </a:r>
-          </a:p>
-          <a:p>
-            <a:r>
-              <a:rPr lang="en-US" dirty="0"/>
-              <a:t>Read second major bullet points</a:t>
-            </a:r>
-          </a:p>
-          <a:p>
-            <a:r>
-              <a:rPr lang="en-US" dirty="0"/>
-              <a:t>    don’t have to regress on all of them</a:t>
+              <a:t>Scaling sounds like normalization, {read first major bullet point}</a:t>
+            </a:r>
+          </a:p>
+          <a:p>
+            <a:r>
+              <a:rPr lang="en-US" dirty="0"/>
+              <a:t>Read first sub bullet points</a:t>
+            </a:r>
+          </a:p>
+          <a:p>
+            <a:r>
+              <a:rPr lang="en-US" dirty="0"/>
+              <a:t>Explain plots on right </a:t>
+            </a:r>
+          </a:p>
+          <a:p>
+            <a:r>
+              <a:rPr lang="en-US" dirty="0"/>
+              <a:t>    top is normalization</a:t>
+            </a:r>
+          </a:p>
+          <a:p>
+            <a:r>
+              <a:rPr lang="en-US" dirty="0"/>
+              <a:t>    bottom is scaling</a:t>
             </a:r>
           </a:p>
         </p:txBody>
@@ -4382,7 +4354,7 @@
           <a:p>
             <a:fld id="{49E9D4D6-284E-4407-AEDA-A70F178DAD60}" type="slidenum">
               <a:rPr lang="en-US" smtClean="0"/>
-              <a:t>44</a:t>
+              <a:t>43</a:t>
             </a:fld>
             <a:endParaRPr lang="en-US"/>
           </a:p>
@@ -4391,7 +4363,7 @@
     </p:spTree>
     <p:extLst>
       <p:ext uri="{BB962C8B-B14F-4D97-AF65-F5344CB8AC3E}">
-        <p14:creationId xmlns:p14="http://schemas.microsoft.com/office/powerpoint/2010/main" val="2504477000"/>
+        <p14:creationId xmlns:p14="http://schemas.microsoft.com/office/powerpoint/2010/main" val="4025846723"/>
       </p:ext>
     </p:extLst>
   </p:cSld>
@@ -4450,6 +4422,18 @@
               <a:t>Read first major bullet points</a:t>
             </a:r>
           </a:p>
+          <a:p>
+            <a:r>
+              <a:rPr lang="en-US" dirty="0"/>
+              <a:t>Read second major bullet points</a:t>
+            </a:r>
+          </a:p>
+          <a:p>
+            <a:r>
+              <a:rPr lang="en-US" dirty="0"/>
+              <a:t>    don’t have to regress on all of them</a:t>
+            </a:r>
+          </a:p>
         </p:txBody>
       </p:sp>
       <p:sp>
@@ -4469,7 +4453,7 @@
           <a:p>
             <a:fld id="{49E9D4D6-284E-4407-AEDA-A70F178DAD60}" type="slidenum">
               <a:rPr lang="en-US" smtClean="0"/>
-              <a:t>45</a:t>
+              <a:t>44</a:t>
             </a:fld>
             <a:endParaRPr lang="en-US"/>
           </a:p>
@@ -4478,7 +4462,7 @@
     </p:spTree>
     <p:extLst>
       <p:ext uri="{BB962C8B-B14F-4D97-AF65-F5344CB8AC3E}">
-        <p14:creationId xmlns:p14="http://schemas.microsoft.com/office/powerpoint/2010/main" val="4119739124"/>
+        <p14:creationId xmlns:p14="http://schemas.microsoft.com/office/powerpoint/2010/main" val="2504477000"/>
       </p:ext>
     </p:extLst>
   </p:cSld>
@@ -4534,7 +4518,7 @@
           <a:p>
             <a:r>
               <a:rPr lang="en-US" dirty="0"/>
-              <a:t>Read first sub bullet points</a:t>
+              <a:t>Read first major bullet points</a:t>
             </a:r>
           </a:p>
         </p:txBody>
@@ -4556,7 +4540,7 @@
           <a:p>
             <a:fld id="{49E9D4D6-284E-4407-AEDA-A70F178DAD60}" type="slidenum">
               <a:rPr lang="en-US" smtClean="0"/>
-              <a:t>46</a:t>
+              <a:t>45</a:t>
             </a:fld>
             <a:endParaRPr lang="en-US"/>
           </a:p>
@@ -4565,7 +4549,7 @@
     </p:spTree>
     <p:extLst>
       <p:ext uri="{BB962C8B-B14F-4D97-AF65-F5344CB8AC3E}">
-        <p14:creationId xmlns:p14="http://schemas.microsoft.com/office/powerpoint/2010/main" val="1421983347"/>
+        <p14:creationId xmlns:p14="http://schemas.microsoft.com/office/powerpoint/2010/main" val="4119739124"/>
       </p:ext>
     </p:extLst>
   </p:cSld>
@@ -4621,7 +4605,7 @@
           <a:p>
             <a:r>
               <a:rPr lang="en-US" dirty="0"/>
-              <a:t>Read all bullet points</a:t>
+              <a:t>Read first sub bullet points</a:t>
             </a:r>
           </a:p>
         </p:txBody>
@@ -4643,7 +4627,7 @@
           <a:p>
             <a:fld id="{49E9D4D6-284E-4407-AEDA-A70F178DAD60}" type="slidenum">
               <a:rPr lang="en-US" smtClean="0"/>
-              <a:t>47</a:t>
+              <a:t>46</a:t>
             </a:fld>
             <a:endParaRPr lang="en-US"/>
           </a:p>
@@ -4652,7 +4636,7 @@
     </p:spTree>
     <p:extLst>
       <p:ext uri="{BB962C8B-B14F-4D97-AF65-F5344CB8AC3E}">
-        <p14:creationId xmlns:p14="http://schemas.microsoft.com/office/powerpoint/2010/main" val="391963167"/>
+        <p14:creationId xmlns:p14="http://schemas.microsoft.com/office/powerpoint/2010/main" val="1421983347"/>
       </p:ext>
     </p:extLst>
   </p:cSld>
@@ -4708,13 +4692,7 @@
           <a:p>
             <a:r>
               <a:rPr lang="en-US" dirty="0"/>
-              <a:t>Read first major bullet points</a:t>
-            </a:r>
-          </a:p>
-          <a:p>
-            <a:r>
-              <a:rPr lang="en-US" dirty="0"/>
-              <a:t>Read second major bullet point</a:t>
+              <a:t>Read all bullet points</a:t>
             </a:r>
           </a:p>
         </p:txBody>
@@ -4736,7 +4714,7 @@
           <a:p>
             <a:fld id="{49E9D4D6-284E-4407-AEDA-A70F178DAD60}" type="slidenum">
               <a:rPr lang="en-US" smtClean="0"/>
-              <a:t>49</a:t>
+              <a:t>47</a:t>
             </a:fld>
             <a:endParaRPr lang="en-US"/>
           </a:p>
@@ -4745,7 +4723,7 @@
     </p:spTree>
     <p:extLst>
       <p:ext uri="{BB962C8B-B14F-4D97-AF65-F5344CB8AC3E}">
-        <p14:creationId xmlns:p14="http://schemas.microsoft.com/office/powerpoint/2010/main" val="806304783"/>
+        <p14:creationId xmlns:p14="http://schemas.microsoft.com/office/powerpoint/2010/main" val="391963167"/>
       </p:ext>
     </p:extLst>
   </p:cSld>
@@ -4801,31 +4779,13 @@
           <a:p>
             <a:r>
               <a:rPr lang="en-US" dirty="0"/>
-              <a:t>Examples of PCA plots</a:t>
-            </a:r>
-          </a:p>
-          <a:p>
-            <a:r>
-              <a:rPr lang="en-US" dirty="0"/>
-              <a:t>Calculated 50 components</a:t>
-            </a:r>
-          </a:p>
-          <a:p>
-            <a:r>
-              <a:rPr lang="en-US" dirty="0"/>
-              <a:t>Explain left plot</a:t>
-            </a:r>
-          </a:p>
-          <a:p>
-            <a:r>
-              <a:rPr lang="en-US" dirty="0"/>
-              <a:t>Explain middle plot</a:t>
-            </a:r>
-          </a:p>
-          <a:p>
-            <a:r>
-              <a:rPr lang="en-US" dirty="0"/>
-              <a:t>Explain right plot</a:t>
+              <a:t>Read first major bullet points</a:t>
+            </a:r>
+          </a:p>
+          <a:p>
+            <a:r>
+              <a:rPr lang="en-US" dirty="0"/>
+              <a:t>Read second major bullet point</a:t>
             </a:r>
           </a:p>
         </p:txBody>
@@ -4847,7 +4807,7 @@
           <a:p>
             <a:fld id="{49E9D4D6-284E-4407-AEDA-A70F178DAD60}" type="slidenum">
               <a:rPr lang="en-US" smtClean="0"/>
-              <a:t>50</a:t>
+              <a:t>49</a:t>
             </a:fld>
             <a:endParaRPr lang="en-US"/>
           </a:p>
@@ -4856,7 +4816,7 @@
     </p:spTree>
     <p:extLst>
       <p:ext uri="{BB962C8B-B14F-4D97-AF65-F5344CB8AC3E}">
-        <p14:creationId xmlns:p14="http://schemas.microsoft.com/office/powerpoint/2010/main" val="1085292004"/>
+        <p14:creationId xmlns:p14="http://schemas.microsoft.com/office/powerpoint/2010/main" val="806304783"/>
       </p:ext>
     </p:extLst>
   </p:cSld>
@@ -4912,19 +4872,31 @@
           <a:p>
             <a:r>
               <a:rPr lang="en-US" dirty="0"/>
-              <a:t>Read first major bullet points</a:t>
-            </a:r>
-          </a:p>
-          <a:p>
-            <a:r>
-              <a:rPr lang="en-US" dirty="0"/>
-              <a:t>Read second major bullet points</a:t>
-            </a:r>
-          </a:p>
-          <a:p>
-            <a:r>
-              <a:rPr lang="en-US" dirty="0"/>
-              <a:t>Also another reason why I only scale 2000 genes</a:t>
+              <a:t>Examples of PCA plots</a:t>
+            </a:r>
+          </a:p>
+          <a:p>
+            <a:r>
+              <a:rPr lang="en-US" dirty="0"/>
+              <a:t>Calculated 50 components</a:t>
+            </a:r>
+          </a:p>
+          <a:p>
+            <a:r>
+              <a:rPr lang="en-US" dirty="0"/>
+              <a:t>Explain left plot</a:t>
+            </a:r>
+          </a:p>
+          <a:p>
+            <a:r>
+              <a:rPr lang="en-US" dirty="0"/>
+              <a:t>Explain middle plot</a:t>
+            </a:r>
+          </a:p>
+          <a:p>
+            <a:r>
+              <a:rPr lang="en-US" dirty="0"/>
+              <a:t>Explain right plot</a:t>
             </a:r>
           </a:p>
         </p:txBody>
@@ -4946,7 +4918,7 @@
           <a:p>
             <a:fld id="{49E9D4D6-284E-4407-AEDA-A70F178DAD60}" type="slidenum">
               <a:rPr lang="en-US" smtClean="0"/>
-              <a:t>51</a:t>
+              <a:t>50</a:t>
             </a:fld>
             <a:endParaRPr lang="en-US"/>
           </a:p>
@@ -4955,7 +4927,7 @@
     </p:spTree>
     <p:extLst>
       <p:ext uri="{BB962C8B-B14F-4D97-AF65-F5344CB8AC3E}">
-        <p14:creationId xmlns:p14="http://schemas.microsoft.com/office/powerpoint/2010/main" val="3869086998"/>
+        <p14:creationId xmlns:p14="http://schemas.microsoft.com/office/powerpoint/2010/main" val="1085292004"/>
       </p:ext>
     </p:extLst>
   </p:cSld>
@@ -5011,37 +4983,19 @@
           <a:p>
             <a:r>
               <a:rPr lang="en-US" dirty="0"/>
-              <a:t>Know how PCA works and choosing all components isn’t so great</a:t>
-            </a:r>
-          </a:p>
-          <a:p>
-            <a:r>
-              <a:rPr lang="en-US" dirty="0"/>
-              <a:t>Read first major and first sub bullet points</a:t>
-            </a:r>
-          </a:p>
-          <a:p>
-            <a:r>
-              <a:rPr lang="en-US" dirty="0"/>
-              <a:t>Two methods</a:t>
-            </a:r>
-          </a:p>
-          <a:p>
-            <a:r>
-              <a:rPr lang="en-US" dirty="0"/>
-              <a:t>Read second sub bullet points</a:t>
-            </a:r>
-          </a:p>
-          <a:p>
-            <a:r>
-              <a:rPr lang="en-US" dirty="0"/>
-              <a:t>Explain plot on right</a:t>
-            </a:r>
-          </a:p>
-          <a:p>
-            <a:r>
-              <a:rPr lang="en-US" dirty="0"/>
-              <a:t>    just eye-ball threshold</a:t>
+              <a:t>Read first major bullet points</a:t>
+            </a:r>
+          </a:p>
+          <a:p>
+            <a:r>
+              <a:rPr lang="en-US" dirty="0"/>
+              <a:t>Read second major bullet points</a:t>
+            </a:r>
+          </a:p>
+          <a:p>
+            <a:r>
+              <a:rPr lang="en-US" dirty="0"/>
+              <a:t>Also another reason why I only scale 2000 genes</a:t>
             </a:r>
           </a:p>
         </p:txBody>
@@ -5063,7 +5017,7 @@
           <a:p>
             <a:fld id="{49E9D4D6-284E-4407-AEDA-A70F178DAD60}" type="slidenum">
               <a:rPr lang="en-US" smtClean="0"/>
-              <a:t>52</a:t>
+              <a:t>51</a:t>
             </a:fld>
             <a:endParaRPr lang="en-US"/>
           </a:p>
@@ -5072,7 +5026,7 @@
     </p:spTree>
     <p:extLst>
       <p:ext uri="{BB962C8B-B14F-4D97-AF65-F5344CB8AC3E}">
-        <p14:creationId xmlns:p14="http://schemas.microsoft.com/office/powerpoint/2010/main" val="2987151046"/>
+        <p14:creationId xmlns:p14="http://schemas.microsoft.com/office/powerpoint/2010/main" val="3869086998"/>
       </p:ext>
     </p:extLst>
   </p:cSld>
@@ -5128,11 +5082,38 @@
           <a:p>
             <a:r>
               <a:rPr lang="en-US" dirty="0"/>
-              <a:t>Range around 15-20 PCs is good</a:t>
-            </a:r>
-          </a:p>
-          <a:p>
-            <a:endParaRPr lang="en-US" dirty="0"/>
+              <a:t>Know how PCA works and choosing all components isn’t so great</a:t>
+            </a:r>
+          </a:p>
+          <a:p>
+            <a:r>
+              <a:rPr lang="en-US" dirty="0"/>
+              <a:t>Read first major and first sub bullet points</a:t>
+            </a:r>
+          </a:p>
+          <a:p>
+            <a:r>
+              <a:rPr lang="en-US" dirty="0"/>
+              <a:t>Two methods</a:t>
+            </a:r>
+          </a:p>
+          <a:p>
+            <a:r>
+              <a:rPr lang="en-US" dirty="0"/>
+              <a:t>Read second sub bullet points</a:t>
+            </a:r>
+          </a:p>
+          <a:p>
+            <a:r>
+              <a:rPr lang="en-US" dirty="0"/>
+              <a:t>Explain plot on right</a:t>
+            </a:r>
+          </a:p>
+          <a:p>
+            <a:r>
+              <a:rPr lang="en-US" dirty="0"/>
+              <a:t>    just eye-ball threshold</a:t>
+            </a:r>
           </a:p>
         </p:txBody>
       </p:sp>
@@ -5153,7 +5134,7 @@
           <a:p>
             <a:fld id="{49E9D4D6-284E-4407-AEDA-A70F178DAD60}" type="slidenum">
               <a:rPr lang="en-US" smtClean="0"/>
-              <a:t>53</a:t>
+              <a:t>52</a:t>
             </a:fld>
             <a:endParaRPr lang="en-US"/>
           </a:p>
@@ -5162,7 +5143,7 @@
     </p:spTree>
     <p:extLst>
       <p:ext uri="{BB962C8B-B14F-4D97-AF65-F5344CB8AC3E}">
-        <p14:creationId xmlns:p14="http://schemas.microsoft.com/office/powerpoint/2010/main" val="1833390657"/>
+        <p14:creationId xmlns:p14="http://schemas.microsoft.com/office/powerpoint/2010/main" val="2987151046"/>
       </p:ext>
     </p:extLst>
   </p:cSld>
@@ -5218,20 +5199,11 @@
           <a:p>
             <a:r>
               <a:rPr lang="en-US" dirty="0"/>
-              <a:t>Explain plot on right</a:t>
-            </a:r>
-          </a:p>
-          <a:p>
-            <a:r>
-              <a:rPr lang="en-US" dirty="0"/>
-              <a:t>   variance decreases after 20 PCs</a:t>
-            </a:r>
-          </a:p>
-          <a:p>
-            <a:r>
-              <a:rPr lang="en-US" dirty="0"/>
-              <a:t>   wanted to show but don’t usually use it</a:t>
-            </a:r>
+              <a:t>Range around 15-20 PCs is good</a:t>
+            </a:r>
+          </a:p>
+          <a:p>
+            <a:endParaRPr lang="en-US" dirty="0"/>
           </a:p>
         </p:txBody>
       </p:sp>
@@ -5252,7 +5224,7 @@
           <a:p>
             <a:fld id="{49E9D4D6-284E-4407-AEDA-A70F178DAD60}" type="slidenum">
               <a:rPr lang="en-US" smtClean="0"/>
-              <a:t>54</a:t>
+              <a:t>53</a:t>
             </a:fld>
             <a:endParaRPr lang="en-US"/>
           </a:p>
@@ -5261,7 +5233,7 @@
     </p:spTree>
     <p:extLst>
       <p:ext uri="{BB962C8B-B14F-4D97-AF65-F5344CB8AC3E}">
-        <p14:creationId xmlns:p14="http://schemas.microsoft.com/office/powerpoint/2010/main" val="2307220946"/>
+        <p14:creationId xmlns:p14="http://schemas.microsoft.com/office/powerpoint/2010/main" val="1833390657"/>
       </p:ext>
     </p:extLst>
   </p:cSld>
@@ -5317,35 +5289,75 @@
           <a:p>
             <a:r>
               <a:rPr lang="en-US" dirty="0"/>
-              <a:t>Transitioning from </a:t>
+              <a:t>Using wonderful dataset from </a:t>
             </a:r>
             <a:r>
               <a:rPr lang="en-US" dirty="0" err="1"/>
-              <a:t>cellranger</a:t>
-            </a:r>
-            <a:r>
-              <a:rPr lang="en-US" dirty="0"/>
-              <a:t> to Seurat, some points on importing the counts matrix</a:t>
-            </a:r>
-          </a:p>
-          <a:p>
-            <a:r>
-              <a:rPr lang="en-US" dirty="0"/>
-              <a:t>Read first bullet point</a:t>
-            </a:r>
-          </a:p>
-          <a:p>
-            <a:r>
-              <a:rPr lang="en-US"/>
-              <a:t>Read </a:t>
-            </a:r>
-            <a:r>
-              <a:rPr lang="en-US" dirty="0"/>
-              <a:t>second major bullet points</a:t>
-            </a:r>
-          </a:p>
-          <a:p>
+              <a:t>Pasca</a:t>
+            </a:r>
+            <a:r>
+              <a:rPr lang="en-US" dirty="0"/>
+              <a:t> lab</a:t>
+            </a:r>
+          </a:p>
+          <a:p>
+            <a:r>
+              <a:rPr lang="en-US" dirty="0"/>
+              <a:t>    study pancreatic cancer on UMICH campus</a:t>
+            </a:r>
+          </a:p>
+          <a:p>
+            <a:r>
+              <a:rPr lang="en-US" dirty="0"/>
+              <a:t>Thanks to Marina </a:t>
+            </a:r>
+            <a:r>
+              <a:rPr lang="en-US" dirty="0" err="1"/>
+              <a:t>Pasca</a:t>
+            </a:r>
             <a:endParaRPr lang="en-US" dirty="0"/>
+          </a:p>
+          <a:p>
+            <a:r>
+              <a:rPr lang="en-US" dirty="0"/>
+              <a:t>    helped with making part of pipeline for paper on dataset</a:t>
+            </a:r>
+          </a:p>
+          <a:p>
+            <a:r>
+              <a:rPr lang="en-US" dirty="0"/>
+              <a:t>Read first major bullet points</a:t>
+            </a:r>
+          </a:p>
+          <a:p>
+            <a:r>
+              <a:rPr lang="en-US" dirty="0"/>
+              <a:t>Dataset not sensitive </a:t>
+            </a:r>
+          </a:p>
+          <a:p>
+            <a:r>
+              <a:rPr lang="en-US" dirty="0"/>
+              <a:t>    not showing any clinical patient data</a:t>
+            </a:r>
+          </a:p>
+          <a:p>
+            <a:r>
+              <a:rPr lang="en-US" dirty="0"/>
+              <a:t>Read second major bullet points</a:t>
+            </a:r>
+          </a:p>
+          <a:p>
+            <a:r>
+              <a:rPr lang="en-US" dirty="0"/>
+              <a:t>    each sample is from a different patient</a:t>
+            </a:r>
+          </a:p>
+          <a:p>
+            <a:r>
+              <a:rPr lang="en-US" dirty="0"/>
+              <a:t>Mention third bullet point article</a:t>
+            </a:r>
           </a:p>
         </p:txBody>
       </p:sp>
@@ -5366,7 +5378,7 @@
           <a:p>
             <a:fld id="{49E9D4D6-284E-4407-AEDA-A70F178DAD60}" type="slidenum">
               <a:rPr lang="en-US" smtClean="0"/>
-              <a:t>6</a:t>
+              <a:t>5</a:t>
             </a:fld>
             <a:endParaRPr lang="en-US"/>
           </a:p>
@@ -5375,7 +5387,7 @@
     </p:spTree>
     <p:extLst>
       <p:ext uri="{BB962C8B-B14F-4D97-AF65-F5344CB8AC3E}">
-        <p14:creationId xmlns:p14="http://schemas.microsoft.com/office/powerpoint/2010/main" val="2553163655"/>
+        <p14:creationId xmlns:p14="http://schemas.microsoft.com/office/powerpoint/2010/main" val="1114773596"/>
       </p:ext>
     </p:extLst>
   </p:cSld>
@@ -5431,7 +5443,19 @@
           <a:p>
             <a:r>
               <a:rPr lang="en-US" dirty="0"/>
-              <a:t>Read first sub bullet points</a:t>
+              <a:t>Explain plot on right</a:t>
+            </a:r>
+          </a:p>
+          <a:p>
+            <a:r>
+              <a:rPr lang="en-US" dirty="0"/>
+              <a:t>   variance decreases after 20 PCs</a:t>
+            </a:r>
+          </a:p>
+          <a:p>
+            <a:r>
+              <a:rPr lang="en-US" dirty="0"/>
+              <a:t>   wanted to show but don’t usually use it</a:t>
             </a:r>
           </a:p>
         </p:txBody>
@@ -5453,7 +5477,7 @@
           <a:p>
             <a:fld id="{49E9D4D6-284E-4407-AEDA-A70F178DAD60}" type="slidenum">
               <a:rPr lang="en-US" smtClean="0"/>
-              <a:t>55</a:t>
+              <a:t>54</a:t>
             </a:fld>
             <a:endParaRPr lang="en-US"/>
           </a:p>
@@ -5462,7 +5486,7 @@
     </p:spTree>
     <p:extLst>
       <p:ext uri="{BB962C8B-B14F-4D97-AF65-F5344CB8AC3E}">
-        <p14:creationId xmlns:p14="http://schemas.microsoft.com/office/powerpoint/2010/main" val="3135814827"/>
+        <p14:creationId xmlns:p14="http://schemas.microsoft.com/office/powerpoint/2010/main" val="2307220946"/>
       </p:ext>
     </p:extLst>
   </p:cSld>
@@ -5518,7 +5542,7 @@
           <a:p>
             <a:r>
               <a:rPr lang="en-US" dirty="0"/>
-              <a:t>Don’t have batch effect for now and skip correction</a:t>
+              <a:t>Read first sub bullet points</a:t>
             </a:r>
           </a:p>
         </p:txBody>
@@ -5540,7 +5564,7 @@
           <a:p>
             <a:fld id="{49E9D4D6-284E-4407-AEDA-A70F178DAD60}" type="slidenum">
               <a:rPr lang="en-US" smtClean="0"/>
-              <a:t>56</a:t>
+              <a:t>55</a:t>
             </a:fld>
             <a:endParaRPr lang="en-US"/>
           </a:p>
@@ -5549,7 +5573,7 @@
     </p:spTree>
     <p:extLst>
       <p:ext uri="{BB962C8B-B14F-4D97-AF65-F5344CB8AC3E}">
-        <p14:creationId xmlns:p14="http://schemas.microsoft.com/office/powerpoint/2010/main" val="1895270141"/>
+        <p14:creationId xmlns:p14="http://schemas.microsoft.com/office/powerpoint/2010/main" val="3135814827"/>
       </p:ext>
     </p:extLst>
   </p:cSld>
@@ -5605,7 +5629,7 @@
           <a:p>
             <a:r>
               <a:rPr lang="en-US" dirty="0"/>
-              <a:t>Read all bullet points</a:t>
+              <a:t>Don’t have batch effect for now and skip correction</a:t>
             </a:r>
           </a:p>
         </p:txBody>
@@ -5627,7 +5651,7 @@
           <a:p>
             <a:fld id="{49E9D4D6-284E-4407-AEDA-A70F178DAD60}" type="slidenum">
               <a:rPr lang="en-US" smtClean="0"/>
-              <a:t>58</a:t>
+              <a:t>56</a:t>
             </a:fld>
             <a:endParaRPr lang="en-US"/>
           </a:p>
@@ -5636,7 +5660,7 @@
     </p:spTree>
     <p:extLst>
       <p:ext uri="{BB962C8B-B14F-4D97-AF65-F5344CB8AC3E}">
-        <p14:creationId xmlns:p14="http://schemas.microsoft.com/office/powerpoint/2010/main" val="3872698119"/>
+        <p14:creationId xmlns:p14="http://schemas.microsoft.com/office/powerpoint/2010/main" val="1895270141"/>
       </p:ext>
     </p:extLst>
   </p:cSld>
@@ -5714,7 +5738,7 @@
           <a:p>
             <a:fld id="{49E9D4D6-284E-4407-AEDA-A70F178DAD60}" type="slidenum">
               <a:rPr lang="en-US" smtClean="0"/>
-              <a:t>59</a:t>
+              <a:t>58</a:t>
             </a:fld>
             <a:endParaRPr lang="en-US"/>
           </a:p>
@@ -5723,7 +5747,7 @@
     </p:spTree>
     <p:extLst>
       <p:ext uri="{BB962C8B-B14F-4D97-AF65-F5344CB8AC3E}">
-        <p14:creationId xmlns:p14="http://schemas.microsoft.com/office/powerpoint/2010/main" val="3826349126"/>
+        <p14:creationId xmlns:p14="http://schemas.microsoft.com/office/powerpoint/2010/main" val="3872698119"/>
       </p:ext>
     </p:extLst>
   </p:cSld>
@@ -5779,25 +5803,7 @@
           <a:p>
             <a:r>
               <a:rPr lang="en-US" dirty="0"/>
-              <a:t>Example of changing the resolution </a:t>
-            </a:r>
-          </a:p>
-          <a:p>
-            <a:r>
-              <a:rPr lang="en-US" dirty="0"/>
-              <a:t>Explain plots </a:t>
-            </a:r>
-          </a:p>
-          <a:p>
-            <a:r>
-              <a:rPr lang="en-US" dirty="0"/>
-              <a:t>Don’t want to over cluster too much</a:t>
-            </a:r>
-          </a:p>
-          <a:p>
-            <a:r>
-              <a:rPr lang="en-US" dirty="0"/>
-              <a:t>    more work for you to merge them together</a:t>
+              <a:t>Read all bullet points</a:t>
             </a:r>
           </a:p>
         </p:txBody>
@@ -5819,7 +5825,7 @@
           <a:p>
             <a:fld id="{49E9D4D6-284E-4407-AEDA-A70F178DAD60}" type="slidenum">
               <a:rPr lang="en-US" smtClean="0"/>
-              <a:t>60</a:t>
+              <a:t>59</a:t>
             </a:fld>
             <a:endParaRPr lang="en-US"/>
           </a:p>
@@ -5828,7 +5834,7 @@
     </p:spTree>
     <p:extLst>
       <p:ext uri="{BB962C8B-B14F-4D97-AF65-F5344CB8AC3E}">
-        <p14:creationId xmlns:p14="http://schemas.microsoft.com/office/powerpoint/2010/main" val="3997784371"/>
+        <p14:creationId xmlns:p14="http://schemas.microsoft.com/office/powerpoint/2010/main" val="3826349126"/>
       </p:ext>
     </p:extLst>
   </p:cSld>
@@ -5884,7 +5890,25 @@
           <a:p>
             <a:r>
               <a:rPr lang="en-US" dirty="0"/>
-              <a:t>Read all bullet points</a:t>
+              <a:t>Example of changing the resolution </a:t>
+            </a:r>
+          </a:p>
+          <a:p>
+            <a:r>
+              <a:rPr lang="en-US" dirty="0"/>
+              <a:t>Explain plots </a:t>
+            </a:r>
+          </a:p>
+          <a:p>
+            <a:r>
+              <a:rPr lang="en-US" dirty="0"/>
+              <a:t>Don’t want to over cluster too much</a:t>
+            </a:r>
+          </a:p>
+          <a:p>
+            <a:r>
+              <a:rPr lang="en-US" dirty="0"/>
+              <a:t>    more work for you to merge them together</a:t>
             </a:r>
           </a:p>
         </p:txBody>
@@ -5906,7 +5930,7 @@
           <a:p>
             <a:fld id="{49E9D4D6-284E-4407-AEDA-A70F178DAD60}" type="slidenum">
               <a:rPr lang="en-US" smtClean="0"/>
-              <a:t>62</a:t>
+              <a:t>60</a:t>
             </a:fld>
             <a:endParaRPr lang="en-US"/>
           </a:p>
@@ -5915,7 +5939,7 @@
     </p:spTree>
     <p:extLst>
       <p:ext uri="{BB962C8B-B14F-4D97-AF65-F5344CB8AC3E}">
-        <p14:creationId xmlns:p14="http://schemas.microsoft.com/office/powerpoint/2010/main" val="3018875515"/>
+        <p14:creationId xmlns:p14="http://schemas.microsoft.com/office/powerpoint/2010/main" val="3997784371"/>
       </p:ext>
     </p:extLst>
   </p:cSld>
@@ -5971,31 +5995,7 @@
           <a:p>
             <a:r>
               <a:rPr lang="en-US" dirty="0"/>
-              <a:t>TSNE = Clusters evenly spaced so locally don’t know where T cells could be</a:t>
-            </a:r>
-          </a:p>
-          <a:p>
-            <a:r>
-              <a:rPr lang="en-US" dirty="0"/>
-              <a:t>    could be over here or over here</a:t>
-            </a:r>
-          </a:p>
-          <a:p>
-            <a:r>
-              <a:rPr lang="en-US" dirty="0"/>
-              <a:t>UMAP = similar T cell clusters will be close to each other</a:t>
-            </a:r>
-          </a:p>
-          <a:p>
-            <a:r>
-              <a:rPr lang="en-US" dirty="0"/>
-              <a:t>    distance among cell types </a:t>
-            </a:r>
-          </a:p>
-          <a:p>
-            <a:r>
-              <a:rPr lang="en-US" dirty="0"/>
-              <a:t>    cells/clusters similar to each other will be closer to each other</a:t>
+              <a:t>Read all bullet points</a:t>
             </a:r>
           </a:p>
         </p:txBody>
@@ -6017,7 +6017,7 @@
           <a:p>
             <a:fld id="{49E9D4D6-284E-4407-AEDA-A70F178DAD60}" type="slidenum">
               <a:rPr lang="en-US" smtClean="0"/>
-              <a:t>63</a:t>
+              <a:t>62</a:t>
             </a:fld>
             <a:endParaRPr lang="en-US"/>
           </a:p>
@@ -6026,7 +6026,7 @@
     </p:spTree>
     <p:extLst>
       <p:ext uri="{BB962C8B-B14F-4D97-AF65-F5344CB8AC3E}">
-        <p14:creationId xmlns:p14="http://schemas.microsoft.com/office/powerpoint/2010/main" val="1537288353"/>
+        <p14:creationId xmlns:p14="http://schemas.microsoft.com/office/powerpoint/2010/main" val="3018875515"/>
       </p:ext>
     </p:extLst>
   </p:cSld>
@@ -6082,13 +6082,31 @@
           <a:p>
             <a:r>
               <a:rPr lang="en-US" dirty="0"/>
-              <a:t>Before starting annotating, I like doing DE </a:t>
-            </a:r>
-          </a:p>
-          <a:p>
-            <a:r>
-              <a:rPr lang="en-US" dirty="0"/>
-              <a:t>Skip conserved markers for now</a:t>
+              <a:t>TSNE = Clusters evenly spaced so locally don’t know where T cells could be</a:t>
+            </a:r>
+          </a:p>
+          <a:p>
+            <a:r>
+              <a:rPr lang="en-US" dirty="0"/>
+              <a:t>    could be over here or over here</a:t>
+            </a:r>
+          </a:p>
+          <a:p>
+            <a:r>
+              <a:rPr lang="en-US" dirty="0"/>
+              <a:t>UMAP = similar T cell clusters will be close to each other</a:t>
+            </a:r>
+          </a:p>
+          <a:p>
+            <a:r>
+              <a:rPr lang="en-US" dirty="0"/>
+              <a:t>    distance among cell types </a:t>
+            </a:r>
+          </a:p>
+          <a:p>
+            <a:r>
+              <a:rPr lang="en-US" dirty="0"/>
+              <a:t>    cells/clusters similar to each other will be closer to each other</a:t>
             </a:r>
           </a:p>
         </p:txBody>
@@ -6110,7 +6128,7 @@
           <a:p>
             <a:fld id="{49E9D4D6-284E-4407-AEDA-A70F178DAD60}" type="slidenum">
               <a:rPr lang="en-US" smtClean="0"/>
-              <a:t>64</a:t>
+              <a:t>63</a:t>
             </a:fld>
             <a:endParaRPr lang="en-US"/>
           </a:p>
@@ -6119,7 +6137,7 @@
     </p:spTree>
     <p:extLst>
       <p:ext uri="{BB962C8B-B14F-4D97-AF65-F5344CB8AC3E}">
-        <p14:creationId xmlns:p14="http://schemas.microsoft.com/office/powerpoint/2010/main" val="2033869872"/>
+        <p14:creationId xmlns:p14="http://schemas.microsoft.com/office/powerpoint/2010/main" val="1537288353"/>
       </p:ext>
     </p:extLst>
   </p:cSld>
@@ -6175,7 +6193,13 @@
           <a:p>
             <a:r>
               <a:rPr lang="en-US" dirty="0"/>
-              <a:t>Read all bullet points</a:t>
+              <a:t>Before starting annotating, I like doing DE </a:t>
+            </a:r>
+          </a:p>
+          <a:p>
+            <a:r>
+              <a:rPr lang="en-US" dirty="0"/>
+              <a:t>Skip conserved markers for now</a:t>
             </a:r>
           </a:p>
         </p:txBody>
@@ -6197,7 +6221,7 @@
           <a:p>
             <a:fld id="{49E9D4D6-284E-4407-AEDA-A70F178DAD60}" type="slidenum">
               <a:rPr lang="en-US" smtClean="0"/>
-              <a:t>65</a:t>
+              <a:t>64</a:t>
             </a:fld>
             <a:endParaRPr lang="en-US"/>
           </a:p>
@@ -6206,7 +6230,7 @@
     </p:spTree>
     <p:extLst>
       <p:ext uri="{BB962C8B-B14F-4D97-AF65-F5344CB8AC3E}">
-        <p14:creationId xmlns:p14="http://schemas.microsoft.com/office/powerpoint/2010/main" val="2852352391"/>
+        <p14:creationId xmlns:p14="http://schemas.microsoft.com/office/powerpoint/2010/main" val="2033869872"/>
       </p:ext>
     </p:extLst>
   </p:cSld>
@@ -6284,7 +6308,7 @@
           <a:p>
             <a:fld id="{49E9D4D6-284E-4407-AEDA-A70F178DAD60}" type="slidenum">
               <a:rPr lang="en-US" smtClean="0"/>
-              <a:t>66</a:t>
+              <a:t>65</a:t>
             </a:fld>
             <a:endParaRPr lang="en-US"/>
           </a:p>
@@ -6293,7 +6317,7 @@
     </p:spTree>
     <p:extLst>
       <p:ext uri="{BB962C8B-B14F-4D97-AF65-F5344CB8AC3E}">
-        <p14:creationId xmlns:p14="http://schemas.microsoft.com/office/powerpoint/2010/main" val="746082436"/>
+        <p14:creationId xmlns:p14="http://schemas.microsoft.com/office/powerpoint/2010/main" val="2852352391"/>
       </p:ext>
     </p:extLst>
   </p:cSld>
@@ -6349,8 +6373,35 @@
           <a:p>
             <a:r>
               <a:rPr lang="en-US" dirty="0"/>
-              <a:t>Optional step and in dashed box</a:t>
-            </a:r>
+              <a:t>Transitioning from </a:t>
+            </a:r>
+            <a:r>
+              <a:rPr lang="en-US" dirty="0" err="1"/>
+              <a:t>cellranger</a:t>
+            </a:r>
+            <a:r>
+              <a:rPr lang="en-US" dirty="0"/>
+              <a:t> to Seurat, some points on importing the counts matrix</a:t>
+            </a:r>
+          </a:p>
+          <a:p>
+            <a:r>
+              <a:rPr lang="en-US" dirty="0"/>
+              <a:t>Read first bullet point</a:t>
+            </a:r>
+          </a:p>
+          <a:p>
+            <a:r>
+              <a:rPr lang="en-US"/>
+              <a:t>Read </a:t>
+            </a:r>
+            <a:r>
+              <a:rPr lang="en-US" dirty="0"/>
+              <a:t>second major bullet points</a:t>
+            </a:r>
+          </a:p>
+          <a:p>
+            <a:endParaRPr lang="en-US" dirty="0"/>
           </a:p>
         </p:txBody>
       </p:sp>
@@ -6371,7 +6422,7 @@
           <a:p>
             <a:fld id="{49E9D4D6-284E-4407-AEDA-A70F178DAD60}" type="slidenum">
               <a:rPr lang="en-US" smtClean="0"/>
-              <a:t>7</a:t>
+              <a:t>6</a:t>
             </a:fld>
             <a:endParaRPr lang="en-US"/>
           </a:p>
@@ -6380,7 +6431,7 @@
     </p:spTree>
     <p:extLst>
       <p:ext uri="{BB962C8B-B14F-4D97-AF65-F5344CB8AC3E}">
-        <p14:creationId xmlns:p14="http://schemas.microsoft.com/office/powerpoint/2010/main" val="3651950112"/>
+        <p14:creationId xmlns:p14="http://schemas.microsoft.com/office/powerpoint/2010/main" val="2553163655"/>
       </p:ext>
     </p:extLst>
   </p:cSld>
@@ -6436,37 +6487,8 @@
           <a:p>
             <a:r>
               <a:rPr lang="en-US" dirty="0"/>
-              <a:t>Many methods; here are the available methods</a:t>
-            </a:r>
-          </a:p>
-          <a:p>
-            <a:r>
-              <a:rPr lang="en-US" dirty="0"/>
-              <a:t>Point out </a:t>
-            </a:r>
-            <a:r>
-              <a:rPr lang="en-US" dirty="0" err="1"/>
-              <a:t>wilcox</a:t>
-            </a:r>
-            <a:r>
-              <a:rPr lang="en-US" dirty="0"/>
-              <a:t>; default</a:t>
-            </a:r>
-          </a:p>
-          <a:p>
-            <a:r>
-              <a:rPr lang="en-US" dirty="0"/>
-              <a:t>Read second major bullet points</a:t>
-            </a:r>
-          </a:p>
-          <a:p>
-            <a:r>
-              <a:rPr lang="en-US" dirty="0"/>
-              <a:t>    can use other methods and compare to make sure results are consistent</a:t>
-            </a:r>
-          </a:p>
-          <a:p>
-            <a:endParaRPr lang="en-US" dirty="0"/>
+              <a:t>Read all bullet points</a:t>
+            </a:r>
           </a:p>
         </p:txBody>
       </p:sp>
@@ -6487,7 +6509,7 @@
           <a:p>
             <a:fld id="{49E9D4D6-284E-4407-AEDA-A70F178DAD60}" type="slidenum">
               <a:rPr lang="en-US" smtClean="0"/>
-              <a:t>67</a:t>
+              <a:t>66</a:t>
             </a:fld>
             <a:endParaRPr lang="en-US"/>
           </a:p>
@@ -6496,7 +6518,7 @@
     </p:spTree>
     <p:extLst>
       <p:ext uri="{BB962C8B-B14F-4D97-AF65-F5344CB8AC3E}">
-        <p14:creationId xmlns:p14="http://schemas.microsoft.com/office/powerpoint/2010/main" val="695437223"/>
+        <p14:creationId xmlns:p14="http://schemas.microsoft.com/office/powerpoint/2010/main" val="746082436"/>
       </p:ext>
     </p:extLst>
   </p:cSld>
@@ -6552,26 +6574,37 @@
           <a:p>
             <a:r>
               <a:rPr lang="en-US" dirty="0"/>
-              <a:t>Show DE output table, but first explain columns</a:t>
-            </a:r>
-          </a:p>
-          <a:p>
-            <a:r>
-              <a:rPr lang="en-US" dirty="0"/>
-              <a:t>5-6 columns</a:t>
-            </a:r>
-          </a:p>
-          <a:p>
-            <a:r>
-              <a:rPr lang="en-US" dirty="0"/>
-              <a:t>Read all bullet points</a:t>
-            </a:r>
-          </a:p>
-          <a:p>
-            <a:r>
-              <a:rPr lang="en-US" dirty="0"/>
-              <a:t>    reduce false positives</a:t>
-            </a:r>
+              <a:t>Many methods; here are the available methods</a:t>
+            </a:r>
+          </a:p>
+          <a:p>
+            <a:r>
+              <a:rPr lang="en-US" dirty="0"/>
+              <a:t>Point out </a:t>
+            </a:r>
+            <a:r>
+              <a:rPr lang="en-US" dirty="0" err="1"/>
+              <a:t>wilcox</a:t>
+            </a:r>
+            <a:r>
+              <a:rPr lang="en-US" dirty="0"/>
+              <a:t>; default</a:t>
+            </a:r>
+          </a:p>
+          <a:p>
+            <a:r>
+              <a:rPr lang="en-US" dirty="0"/>
+              <a:t>Read second major bullet points</a:t>
+            </a:r>
+          </a:p>
+          <a:p>
+            <a:r>
+              <a:rPr lang="en-US" dirty="0"/>
+              <a:t>    can use other methods and compare to make sure results are consistent</a:t>
+            </a:r>
+          </a:p>
+          <a:p>
+            <a:endParaRPr lang="en-US" dirty="0"/>
           </a:p>
         </p:txBody>
       </p:sp>
@@ -6592,7 +6625,7 @@
           <a:p>
             <a:fld id="{49E9D4D6-284E-4407-AEDA-A70F178DAD60}" type="slidenum">
               <a:rPr lang="en-US" smtClean="0"/>
-              <a:t>68</a:t>
+              <a:t>67</a:t>
             </a:fld>
             <a:endParaRPr lang="en-US"/>
           </a:p>
@@ -6601,7 +6634,7 @@
     </p:spTree>
     <p:extLst>
       <p:ext uri="{BB962C8B-B14F-4D97-AF65-F5344CB8AC3E}">
-        <p14:creationId xmlns:p14="http://schemas.microsoft.com/office/powerpoint/2010/main" val="2562627738"/>
+        <p14:creationId xmlns:p14="http://schemas.microsoft.com/office/powerpoint/2010/main" val="695437223"/>
       </p:ext>
     </p:extLst>
   </p:cSld>
@@ -6657,6 +6690,111 @@
           <a:p>
             <a:r>
               <a:rPr lang="en-US" dirty="0"/>
+              <a:t>Show DE output table, but first explain columns</a:t>
+            </a:r>
+          </a:p>
+          <a:p>
+            <a:r>
+              <a:rPr lang="en-US" dirty="0"/>
+              <a:t>5-6 columns</a:t>
+            </a:r>
+          </a:p>
+          <a:p>
+            <a:r>
+              <a:rPr lang="en-US" dirty="0"/>
+              <a:t>Read all bullet points</a:t>
+            </a:r>
+          </a:p>
+          <a:p>
+            <a:r>
+              <a:rPr lang="en-US" dirty="0"/>
+              <a:t>    reduce false positives</a:t>
+            </a:r>
+          </a:p>
+        </p:txBody>
+      </p:sp>
+      <p:sp>
+        <p:nvSpPr>
+          <p:cNvPr id="4" name="Slide Number Placeholder 3"/>
+          <p:cNvSpPr>
+            <a:spLocks noGrp="1"/>
+          </p:cNvSpPr>
+          <p:nvPr>
+            <p:ph type="sldNum" sz="quarter" idx="5"/>
+          </p:nvPr>
+        </p:nvSpPr>
+        <p:spPr/>
+        <p:txBody>
+          <a:bodyPr/>
+          <a:lstStyle/>
+          <a:p>
+            <a:fld id="{49E9D4D6-284E-4407-AEDA-A70F178DAD60}" type="slidenum">
+              <a:rPr lang="en-US" smtClean="0"/>
+              <a:t>68</a:t>
+            </a:fld>
+            <a:endParaRPr lang="en-US"/>
+          </a:p>
+        </p:txBody>
+      </p:sp>
+    </p:spTree>
+    <p:extLst>
+      <p:ext uri="{BB962C8B-B14F-4D97-AF65-F5344CB8AC3E}">
+        <p14:creationId xmlns:p14="http://schemas.microsoft.com/office/powerpoint/2010/main" val="2562627738"/>
+      </p:ext>
+    </p:extLst>
+  </p:cSld>
+  <p:clrMapOvr>
+    <a:masterClrMapping/>
+  </p:clrMapOvr>
+</p:notes>
+</file>
+
+<file path=ppt/notesSlides/notesSlide63.xml><?xml version="1.0" encoding="utf-8"?>
+<p:notes xmlns:a="http://schemas.openxmlformats.org/drawingml/2006/main" xmlns:r="http://schemas.openxmlformats.org/officeDocument/2006/relationships" xmlns:p="http://schemas.openxmlformats.org/presentationml/2006/main">
+  <p:cSld>
+    <p:spTree>
+      <p:nvGrpSpPr>
+        <p:cNvPr id="1" name=""/>
+        <p:cNvGrpSpPr/>
+        <p:nvPr/>
+      </p:nvGrpSpPr>
+      <p:grpSpPr>
+        <a:xfrm>
+          <a:off x="0" y="0"/>
+          <a:ext cx="0" cy="0"/>
+          <a:chOff x="0" y="0"/>
+          <a:chExt cx="0" cy="0"/>
+        </a:xfrm>
+      </p:grpSpPr>
+      <p:sp>
+        <p:nvSpPr>
+          <p:cNvPr id="2" name="Slide Image Placeholder 1"/>
+          <p:cNvSpPr>
+            <a:spLocks noGrp="1" noRot="1" noChangeAspect="1"/>
+          </p:cNvSpPr>
+          <p:nvPr>
+            <p:ph type="sldImg"/>
+          </p:nvPr>
+        </p:nvSpPr>
+        <p:spPr/>
+      </p:sp>
+      <p:sp>
+        <p:nvSpPr>
+          <p:cNvPr id="3" name="Notes Placeholder 2"/>
+          <p:cNvSpPr>
+            <a:spLocks noGrp="1"/>
+          </p:cNvSpPr>
+          <p:nvPr>
+            <p:ph type="body" idx="1"/>
+          </p:nvPr>
+        </p:nvSpPr>
+        <p:spPr/>
+        <p:txBody>
+          <a:bodyPr/>
+          <a:lstStyle/>
+          <a:p>
+            <a:r>
+              <a:rPr lang="en-US" dirty="0"/>
               <a:t>Example of DE table</a:t>
             </a:r>
           </a:p>
@@ -6710,7 +6848,7 @@
 </p:notes>
 </file>
 
-<file path=ppt/notesSlides/notesSlide63.xml><?xml version="1.0" encoding="utf-8"?>
+<file path=ppt/notesSlides/notesSlide64.xml><?xml version="1.0" encoding="utf-8"?>
 <p:notes xmlns:a="http://schemas.openxmlformats.org/drawingml/2006/main" xmlns:r="http://schemas.openxmlformats.org/officeDocument/2006/relationships" xmlns:p="http://schemas.openxmlformats.org/presentationml/2006/main">
   <p:cSld>
     <p:spTree>
@@ -6843,25 +6981,7 @@
           <a:p>
             <a:r>
               <a:rPr lang="en-US" dirty="0"/>
-              <a:t>Read first major bullet point </a:t>
-            </a:r>
-          </a:p>
-          <a:p>
-            <a:r>
-              <a:rPr lang="en-US" dirty="0"/>
-              <a:t>Point out sparse matrix picture</a:t>
-            </a:r>
-          </a:p>
-          <a:p>
-            <a:r>
-              <a:rPr lang="en-US" dirty="0"/>
-              <a:t>Read first sub bullet points</a:t>
-            </a:r>
-          </a:p>
-          <a:p>
-            <a:r>
-              <a:rPr lang="en-US" dirty="0"/>
-              <a:t>If wanted to fix dropout problem, can do imputation</a:t>
+              <a:t>Optional step and in dashed box</a:t>
             </a:r>
           </a:p>
         </p:txBody>
@@ -6883,7 +7003,7 @@
           <a:p>
             <a:fld id="{49E9D4D6-284E-4407-AEDA-A70F178DAD60}" type="slidenum">
               <a:rPr lang="en-US" smtClean="0"/>
-              <a:t>8</a:t>
+              <a:t>7</a:t>
             </a:fld>
             <a:endParaRPr lang="en-US"/>
           </a:p>
@@ -6892,7 +7012,7 @@
     </p:spTree>
     <p:extLst>
       <p:ext uri="{BB962C8B-B14F-4D97-AF65-F5344CB8AC3E}">
-        <p14:creationId xmlns:p14="http://schemas.microsoft.com/office/powerpoint/2010/main" val="1216345507"/>
+        <p14:creationId xmlns:p14="http://schemas.microsoft.com/office/powerpoint/2010/main" val="3651950112"/>
       </p:ext>
     </p:extLst>
   </p:cSld>
@@ -6948,43 +7068,25 @@
           <a:p>
             <a:r>
               <a:rPr lang="en-US" dirty="0"/>
-              <a:t>Read first major bullet points</a:t>
-            </a:r>
-          </a:p>
-          <a:p>
-            <a:r>
-              <a:rPr lang="en-US" dirty="0"/>
-              <a:t>Read second major bullet points</a:t>
-            </a:r>
-          </a:p>
-          <a:p>
-            <a:r>
-              <a:rPr lang="en-US" dirty="0"/>
-              <a:t>    might fill in values, but {first sub bullet point}</a:t>
-            </a:r>
-          </a:p>
-          <a:p>
-            <a:r>
-              <a:rPr lang="en-US" dirty="0"/>
-              <a:t>    I don’t like using imputation because of introducing more false signals </a:t>
-            </a:r>
-          </a:p>
-          <a:p>
-            <a:r>
-              <a:rPr lang="en-US" dirty="0"/>
-              <a:t>Read third major bullet points</a:t>
-            </a:r>
-          </a:p>
-          <a:p>
-            <a:r>
-              <a:rPr lang="en-US" dirty="0"/>
-              <a:t>   point out link</a:t>
-            </a:r>
-          </a:p>
-          <a:p>
-            <a:r>
-              <a:rPr lang="en-US" dirty="0"/>
-              <a:t>If joining for lab section, won’t run imputation</a:t>
+              <a:t>Read first major bullet point </a:t>
+            </a:r>
+          </a:p>
+          <a:p>
+            <a:r>
+              <a:rPr lang="en-US" dirty="0"/>
+              <a:t>Point out sparse matrix picture</a:t>
+            </a:r>
+          </a:p>
+          <a:p>
+            <a:r>
+              <a:rPr lang="en-US" dirty="0"/>
+              <a:t>Read first sub bullet points</a:t>
+            </a:r>
+          </a:p>
+          <a:p>
+            <a:r>
+              <a:rPr lang="en-US" dirty="0"/>
+              <a:t>If wanted to fix dropout problem, can do imputation</a:t>
             </a:r>
           </a:p>
         </p:txBody>
@@ -7006,7 +7108,7 @@
           <a:p>
             <a:fld id="{49E9D4D6-284E-4407-AEDA-A70F178DAD60}" type="slidenum">
               <a:rPr lang="en-US" smtClean="0"/>
-              <a:t>9</a:t>
+              <a:t>8</a:t>
             </a:fld>
             <a:endParaRPr lang="en-US"/>
           </a:p>
@@ -7015,7 +7117,7 @@
     </p:spTree>
     <p:extLst>
       <p:ext uri="{BB962C8B-B14F-4D97-AF65-F5344CB8AC3E}">
-        <p14:creationId xmlns:p14="http://schemas.microsoft.com/office/powerpoint/2010/main" val="1457855098"/>
+        <p14:creationId xmlns:p14="http://schemas.microsoft.com/office/powerpoint/2010/main" val="1216345507"/>
       </p:ext>
     </p:extLst>
   </p:cSld>
@@ -7071,7 +7173,7 @@
           <a:p>
             <a:r>
               <a:rPr lang="en-US" dirty="0"/>
-              <a:t>Read first bullet point</a:t>
+              <a:t>Read first major bullet points</a:t>
             </a:r>
           </a:p>
           <a:p>
@@ -7083,13 +7185,31 @@
           <a:p>
             <a:r>
               <a:rPr lang="en-US" dirty="0"/>
-              <a:t>    doublets: droplet sequencing isn’t perfect and can sequence multiple cells in a droplet</a:t>
-            </a:r>
-          </a:p>
-          <a:p>
-            <a:r>
-              <a:rPr lang="en-US" dirty="0"/>
-              <a:t>Read thirst major bullet points</a:t>
+              <a:t>    might fill in values, but {first sub bullet point}</a:t>
+            </a:r>
+          </a:p>
+          <a:p>
+            <a:r>
+              <a:rPr lang="en-US" dirty="0"/>
+              <a:t>    I don’t like using imputation because of introducing more false signals </a:t>
+            </a:r>
+          </a:p>
+          <a:p>
+            <a:r>
+              <a:rPr lang="en-US" dirty="0"/>
+              <a:t>Read third major bullet points</a:t>
+            </a:r>
+          </a:p>
+          <a:p>
+            <a:r>
+              <a:rPr lang="en-US" dirty="0"/>
+              <a:t>   point out link</a:t>
+            </a:r>
+          </a:p>
+          <a:p>
+            <a:r>
+              <a:rPr lang="en-US" dirty="0"/>
+              <a:t>If joining for lab section, won’t run imputation</a:t>
             </a:r>
           </a:p>
         </p:txBody>
@@ -7111,7 +7231,7 @@
           <a:p>
             <a:fld id="{49E9D4D6-284E-4407-AEDA-A70F178DAD60}" type="slidenum">
               <a:rPr lang="en-US" smtClean="0"/>
-              <a:t>11</a:t>
+              <a:t>9</a:t>
             </a:fld>
             <a:endParaRPr lang="en-US"/>
           </a:p>
@@ -7120,7 +7240,7 @@
     </p:spTree>
     <p:extLst>
       <p:ext uri="{BB962C8B-B14F-4D97-AF65-F5344CB8AC3E}">
-        <p14:creationId xmlns:p14="http://schemas.microsoft.com/office/powerpoint/2010/main" val="2739644321"/>
+        <p14:creationId xmlns:p14="http://schemas.microsoft.com/office/powerpoint/2010/main" val="1457855098"/>
       </p:ext>
     </p:extLst>
   </p:cSld>
@@ -7277,7 +7397,7 @@
           <a:p>
             <a:fld id="{BCBCFA5C-DA3F-4552-9BA0-B9505FF6DB19}" type="datetimeFigureOut">
               <a:rPr lang="en-US" smtClean="0"/>
-              <a:t>4/17/2022</a:t>
+              <a:t>4/18/2022</a:t>
             </a:fld>
             <a:endParaRPr lang="en-US"/>
           </a:p>
@@ -7475,7 +7595,7 @@
           <a:p>
             <a:fld id="{BCBCFA5C-DA3F-4552-9BA0-B9505FF6DB19}" type="datetimeFigureOut">
               <a:rPr lang="en-US" smtClean="0"/>
-              <a:t>4/17/2022</a:t>
+              <a:t>4/18/2022</a:t>
             </a:fld>
             <a:endParaRPr lang="en-US"/>
           </a:p>
@@ -7683,7 +7803,7 @@
           <a:p>
             <a:fld id="{BCBCFA5C-DA3F-4552-9BA0-B9505FF6DB19}" type="datetimeFigureOut">
               <a:rPr lang="en-US" smtClean="0"/>
-              <a:t>4/17/2022</a:t>
+              <a:t>4/18/2022</a:t>
             </a:fld>
             <a:endParaRPr lang="en-US"/>
           </a:p>
@@ -7881,7 +8001,7 @@
           <a:p>
             <a:fld id="{BCBCFA5C-DA3F-4552-9BA0-B9505FF6DB19}" type="datetimeFigureOut">
               <a:rPr lang="en-US" smtClean="0"/>
-              <a:t>4/17/2022</a:t>
+              <a:t>4/18/2022</a:t>
             </a:fld>
             <a:endParaRPr lang="en-US"/>
           </a:p>
@@ -8156,7 +8276,7 @@
           <a:p>
             <a:fld id="{BCBCFA5C-DA3F-4552-9BA0-B9505FF6DB19}" type="datetimeFigureOut">
               <a:rPr lang="en-US" smtClean="0"/>
-              <a:t>4/17/2022</a:t>
+              <a:t>4/18/2022</a:t>
             </a:fld>
             <a:endParaRPr lang="en-US"/>
           </a:p>
@@ -8421,7 +8541,7 @@
           <a:p>
             <a:fld id="{BCBCFA5C-DA3F-4552-9BA0-B9505FF6DB19}" type="datetimeFigureOut">
               <a:rPr lang="en-US" smtClean="0"/>
-              <a:t>4/17/2022</a:t>
+              <a:t>4/18/2022</a:t>
             </a:fld>
             <a:endParaRPr lang="en-US"/>
           </a:p>
@@ -8833,7 +8953,7 @@
           <a:p>
             <a:fld id="{BCBCFA5C-DA3F-4552-9BA0-B9505FF6DB19}" type="datetimeFigureOut">
               <a:rPr lang="en-US" smtClean="0"/>
-              <a:t>4/17/2022</a:t>
+              <a:t>4/18/2022</a:t>
             </a:fld>
             <a:endParaRPr lang="en-US"/>
           </a:p>
@@ -8974,7 +9094,7 @@
           <a:p>
             <a:fld id="{BCBCFA5C-DA3F-4552-9BA0-B9505FF6DB19}" type="datetimeFigureOut">
               <a:rPr lang="en-US" smtClean="0"/>
-              <a:t>4/17/2022</a:t>
+              <a:t>4/18/2022</a:t>
             </a:fld>
             <a:endParaRPr lang="en-US"/>
           </a:p>
@@ -9087,7 +9207,7 @@
           <a:p>
             <a:fld id="{BCBCFA5C-DA3F-4552-9BA0-B9505FF6DB19}" type="datetimeFigureOut">
               <a:rPr lang="en-US" smtClean="0"/>
-              <a:t>4/17/2022</a:t>
+              <a:t>4/18/2022</a:t>
             </a:fld>
             <a:endParaRPr lang="en-US"/>
           </a:p>
@@ -9398,7 +9518,7 @@
           <a:p>
             <a:fld id="{BCBCFA5C-DA3F-4552-9BA0-B9505FF6DB19}" type="datetimeFigureOut">
               <a:rPr lang="en-US" smtClean="0"/>
-              <a:t>4/17/2022</a:t>
+              <a:t>4/18/2022</a:t>
             </a:fld>
             <a:endParaRPr lang="en-US"/>
           </a:p>
@@ -9686,7 +9806,7 @@
           <a:p>
             <a:fld id="{BCBCFA5C-DA3F-4552-9BA0-B9505FF6DB19}" type="datetimeFigureOut">
               <a:rPr lang="en-US" smtClean="0"/>
-              <a:t>4/17/2022</a:t>
+              <a:t>4/18/2022</a:t>
             </a:fld>
             <a:endParaRPr lang="en-US"/>
           </a:p>
@@ -9927,7 +10047,7 @@
           <a:p>
             <a:fld id="{BCBCFA5C-DA3F-4552-9BA0-B9505FF6DB19}" type="datetimeFigureOut">
               <a:rPr lang="en-US" smtClean="0"/>
-              <a:t>4/17/2022</a:t>
+              <a:t>4/18/2022</a:t>
             </a:fld>
             <a:endParaRPr lang="en-US"/>
           </a:p>
@@ -15708,7 +15828,7 @@
       </p:grpSpPr>
       <mc:AlternateContent xmlns:mc="http://schemas.openxmlformats.org/markup-compatibility/2006" xmlns:p14="http://schemas.microsoft.com/office/powerpoint/2010/main">
         <mc:Choice Requires="p14">
-          <p:contentPart p14:bwMode="auto" r:id="rId2">
+          <p:contentPart p14:bwMode="auto" r:id="rId3">
             <p14:nvContentPartPr>
               <p14:cNvPr id="78" name="Ink 77">
                 <a:extLst>
@@ -15740,7 +15860,7 @@
               <p:nvPr/>
             </p:nvPicPr>
             <p:blipFill>
-              <a:blip r:embed="rId3"/>
+              <a:blip r:embed="rId4"/>
               <a:stretch>
                 <a:fillRect/>
               </a:stretch>
@@ -15805,7 +15925,7 @@
           <p:nvPr/>
         </p:nvPicPr>
         <p:blipFill>
-          <a:blip r:embed="rId4">
+          <a:blip r:embed="rId5">
             <a:extLst>
               <a:ext uri="{28A0092B-C50C-407E-A947-70E740481C1C}">
                 <a14:useLocalDpi xmlns:a14="http://schemas.microsoft.com/office/drawing/2010/main" val="0"/>
